--- a/powerpoint/GA2020-Oivier-Miossec-ARM-TTK.pptx
+++ b/powerpoint/GA2020-Oivier-Miossec-ARM-TTK.pptx
@@ -9,19 +9,19 @@
   </p:notesMasterIdLst>
   <p:sldIdLst>
     <p:sldId id="256" r:id="rId2"/>
-    <p:sldId id="348" r:id="rId3"/>
-    <p:sldId id="261" r:id="rId4"/>
+    <p:sldId id="261" r:id="rId3"/>
+    <p:sldId id="338" r:id="rId4"/>
     <p:sldId id="310" r:id="rId5"/>
-    <p:sldId id="338" r:id="rId6"/>
-    <p:sldId id="325" r:id="rId7"/>
-    <p:sldId id="339" r:id="rId8"/>
-    <p:sldId id="349" r:id="rId9"/>
-    <p:sldId id="350" r:id="rId10"/>
-    <p:sldId id="351" r:id="rId11"/>
-    <p:sldId id="341" r:id="rId12"/>
-    <p:sldId id="342" r:id="rId13"/>
-    <p:sldId id="352" r:id="rId14"/>
-    <p:sldId id="343" r:id="rId15"/>
+    <p:sldId id="325" r:id="rId6"/>
+    <p:sldId id="339" r:id="rId7"/>
+    <p:sldId id="349" r:id="rId8"/>
+    <p:sldId id="350" r:id="rId9"/>
+    <p:sldId id="351" r:id="rId10"/>
+    <p:sldId id="341" r:id="rId11"/>
+    <p:sldId id="342" r:id="rId12"/>
+    <p:sldId id="352" r:id="rId13"/>
+    <p:sldId id="343" r:id="rId14"/>
+    <p:sldId id="348" r:id="rId15"/>
   </p:sldIdLst>
   <p:sldSz cx="12192000" cy="6858000"/>
   <p:notesSz cx="6858000" cy="9144000"/>
@@ -222,7 +222,7 @@
           <a:p>
             <a:fld id="{FC7FEDF0-DEDA-4C1C-B5AB-91EB31753B95}" type="datetimeFigureOut">
               <a:rPr lang="fr-BE" smtClean="0"/>
-              <a:t>24-04-20</a:t>
+              <a:t>25-04-20</a:t>
             </a:fld>
             <a:endParaRPr lang="fr-BE"/>
           </a:p>
@@ -558,7 +558,7 @@
           <a:p>
             <a:fld id="{2A11F138-8063-41B3-B28C-74470FD3BC21}" type="slidenum">
               <a:rPr lang="fr-BE" smtClean="0"/>
-              <a:t>7</a:t>
+              <a:t>6</a:t>
             </a:fld>
             <a:endParaRPr lang="fr-BE"/>
           </a:p>
@@ -645,7 +645,7 @@
           <a:p>
             <a:fld id="{2A11F138-8063-41B3-B28C-74470FD3BC21}" type="slidenum">
               <a:rPr lang="fr-BE" smtClean="0"/>
-              <a:t>8</a:t>
+              <a:t>7</a:t>
             </a:fld>
             <a:endParaRPr lang="fr-BE"/>
           </a:p>
@@ -729,7 +729,7 @@
           <a:p>
             <a:fld id="{2A11F138-8063-41B3-B28C-74470FD3BC21}" type="slidenum">
               <a:rPr lang="fr-BE" smtClean="0"/>
-              <a:t>9</a:t>
+              <a:t>8</a:t>
             </a:fld>
             <a:endParaRPr lang="fr-BE"/>
           </a:p>
@@ -816,7 +816,7 @@
           <a:p>
             <a:fld id="{2A11F138-8063-41B3-B28C-74470FD3BC21}" type="slidenum">
               <a:rPr lang="fr-BE" smtClean="0"/>
-              <a:t>10</a:t>
+              <a:t>9</a:t>
             </a:fld>
             <a:endParaRPr lang="fr-BE"/>
           </a:p>
@@ -907,7 +907,7 @@
           <a:p>
             <a:fld id="{2A11F138-8063-41B3-B28C-74470FD3BC21}" type="slidenum">
               <a:rPr lang="fr-BE" smtClean="0"/>
-              <a:t>12</a:t>
+              <a:t>11</a:t>
             </a:fld>
             <a:endParaRPr lang="fr-BE"/>
           </a:p>
@@ -998,7 +998,7 @@
           <a:p>
             <a:fld id="{2A11F138-8063-41B3-B28C-74470FD3BC21}" type="slidenum">
               <a:rPr lang="fr-BE" smtClean="0"/>
-              <a:t>13</a:t>
+              <a:t>12</a:t>
             </a:fld>
             <a:endParaRPr lang="fr-BE"/>
           </a:p>
@@ -1185,7 +1185,7 @@
           <a:p>
             <a:fld id="{C5AB9103-3B9A-41D0-902F-F141ACAC9777}" type="datetimeFigureOut">
               <a:rPr lang="en-CA" smtClean="0"/>
-              <a:t>2020-04-24</a:t>
+              <a:t>2020-04-25</a:t>
             </a:fld>
             <a:endParaRPr lang="en-CA"/>
           </a:p>
@@ -1413,7 +1413,7 @@
           <a:p>
             <a:fld id="{C5AB9103-3B9A-41D0-902F-F141ACAC9777}" type="datetimeFigureOut">
               <a:rPr lang="en-CA" smtClean="0"/>
-              <a:t>2020-04-24</a:t>
+              <a:t>2020-04-25</a:t>
             </a:fld>
             <a:endParaRPr lang="en-CA"/>
           </a:p>
@@ -1593,7 +1593,7 @@
           <a:p>
             <a:fld id="{C5AB9103-3B9A-41D0-902F-F141ACAC9777}" type="datetimeFigureOut">
               <a:rPr lang="en-CA" smtClean="0"/>
-              <a:t>2020-04-24</a:t>
+              <a:t>2020-04-25</a:t>
             </a:fld>
             <a:endParaRPr lang="en-CA"/>
           </a:p>
@@ -1763,7 +1763,7 @@
           <a:p>
             <a:fld id="{C5AB9103-3B9A-41D0-902F-F141ACAC9777}" type="datetimeFigureOut">
               <a:rPr lang="en-CA" smtClean="0"/>
-              <a:t>2020-04-24</a:t>
+              <a:t>2020-04-25</a:t>
             </a:fld>
             <a:endParaRPr lang="en-CA"/>
           </a:p>
@@ -2017,7 +2017,7 @@
           <a:p>
             <a:fld id="{C5AB9103-3B9A-41D0-902F-F141ACAC9777}" type="datetimeFigureOut">
               <a:rPr lang="en-CA" smtClean="0"/>
-              <a:t>2020-04-24</a:t>
+              <a:t>2020-04-25</a:t>
             </a:fld>
             <a:endParaRPr lang="en-CA"/>
           </a:p>
@@ -2343,7 +2343,7 @@
           <a:p>
             <a:fld id="{C5AB9103-3B9A-41D0-902F-F141ACAC9777}" type="datetimeFigureOut">
               <a:rPr lang="en-CA" smtClean="0"/>
-              <a:t>2020-04-24</a:t>
+              <a:t>2020-04-25</a:t>
             </a:fld>
             <a:endParaRPr lang="en-CA"/>
           </a:p>
@@ -2794,7 +2794,7 @@
           <a:p>
             <a:fld id="{C5AB9103-3B9A-41D0-902F-F141ACAC9777}" type="datetimeFigureOut">
               <a:rPr lang="en-CA" smtClean="0"/>
-              <a:t>2020-04-24</a:t>
+              <a:t>2020-04-25</a:t>
             </a:fld>
             <a:endParaRPr lang="en-CA"/>
           </a:p>
@@ -2912,7 +2912,7 @@
           <a:p>
             <a:fld id="{C5AB9103-3B9A-41D0-902F-F141ACAC9777}" type="datetimeFigureOut">
               <a:rPr lang="en-CA" smtClean="0"/>
-              <a:t>2020-04-24</a:t>
+              <a:t>2020-04-25</a:t>
             </a:fld>
             <a:endParaRPr lang="en-CA"/>
           </a:p>
@@ -3007,7 +3007,7 @@
           <a:p>
             <a:fld id="{C5AB9103-3B9A-41D0-902F-F141ACAC9777}" type="datetimeFigureOut">
               <a:rPr lang="en-CA" smtClean="0"/>
-              <a:t>2020-04-24</a:t>
+              <a:t>2020-04-25</a:t>
             </a:fld>
             <a:endParaRPr lang="en-CA"/>
           </a:p>
@@ -3294,7 +3294,7 @@
           <a:p>
             <a:fld id="{C5AB9103-3B9A-41D0-902F-F141ACAC9777}" type="datetimeFigureOut">
               <a:rPr lang="en-CA" smtClean="0"/>
-              <a:t>2020-04-24</a:t>
+              <a:t>2020-04-25</a:t>
             </a:fld>
             <a:endParaRPr lang="en-CA"/>
           </a:p>
@@ -3616,7 +3616,7 @@
           <a:p>
             <a:fld id="{C5AB9103-3B9A-41D0-902F-F141ACAC9777}" type="datetimeFigureOut">
               <a:rPr lang="en-CA" smtClean="0"/>
-              <a:t>2020-04-24</a:t>
+              <a:t>2020-04-25</a:t>
             </a:fld>
             <a:endParaRPr lang="en-CA"/>
           </a:p>
@@ -3870,7 +3870,7 @@
           <a:p>
             <a:fld id="{C5AB9103-3B9A-41D0-902F-F141ACAC9777}" type="datetimeFigureOut">
               <a:rPr lang="en-CA" smtClean="0"/>
-              <a:t>2020-04-24</a:t>
+              <a:t>2020-04-25</a:t>
             </a:fld>
             <a:endParaRPr lang="en-CA"/>
           </a:p>
@@ -4397,7 +4397,7 @@
         </p:blipFill>
         <p:spPr bwMode="auto">
           <a:xfrm>
-            <a:off x="3414910" y="461139"/>
+            <a:off x="3414910" y="1093749"/>
             <a:ext cx="6252871" cy="4821060"/>
           </a:xfrm>
           <a:prstGeom prst="rect">
@@ -4429,8 +4429,8 @@
         </p:nvSpPr>
         <p:spPr>
           <a:xfrm>
-            <a:off x="5557422" y="5282199"/>
-            <a:ext cx="2370338" cy="369332"/>
+            <a:off x="5319623" y="5888887"/>
+            <a:ext cx="2970447" cy="369332"/>
           </a:xfrm>
           <a:prstGeom prst="rect">
             <a:avLst/>
@@ -4444,9 +4444,10 @@
           <a:lstStyle/>
           <a:p>
             <a:r>
-              <a:rPr lang="fr-FR" b="1" dirty="0"/>
-              <a:t>Édition française</a:t>
-            </a:r>
+              <a:rPr lang="fr-FR" b="1"/>
+              <a:t>Édition Française</a:t>
+            </a:r>
+            <a:endParaRPr lang="fr-FR" b="1" dirty="0"/>
           </a:p>
         </p:txBody>
       </p:sp>
@@ -4487,6 +4488,41 @@
               <a:t>gab_fr</a:t>
             </a:r>
             <a:endParaRPr lang="fr-FR" dirty="0"/>
+          </a:p>
+        </p:txBody>
+      </p:sp>
+      <p:sp>
+        <p:nvSpPr>
+          <p:cNvPr id="6" name="TextBox 5">
+            <a:extLst>
+              <a:ext uri="{FF2B5EF4-FFF2-40B4-BE49-F238E27FC236}">
+                <a16:creationId xmlns:a16="http://schemas.microsoft.com/office/drawing/2014/main" id="{C2236BF8-14DE-4888-9F5C-3F1862112327}"/>
+              </a:ext>
+            </a:extLst>
+          </p:cNvPr>
+          <p:cNvSpPr txBox="1"/>
+          <p:nvPr/>
+        </p:nvSpPr>
+        <p:spPr>
+          <a:xfrm>
+            <a:off x="4988944" y="227119"/>
+            <a:ext cx="2970447" cy="523220"/>
+          </a:xfrm>
+          <a:prstGeom prst="rect">
+            <a:avLst/>
+          </a:prstGeom>
+          <a:noFill/>
+        </p:spPr>
+        <p:txBody>
+          <a:bodyPr wrap="square" rtlCol="0">
+            <a:spAutoFit/>
+          </a:bodyPr>
+          <a:lstStyle/>
+          <a:p>
+            <a:r>
+              <a:rPr lang="fr-FR" sz="2800" b="1" dirty="0"/>
+              <a:t>Global AZURE</a:t>
+            </a:r>
           </a:p>
         </p:txBody>
       </p:sp>
@@ -4940,7 +4976,7 @@
                   </a:schemeClr>
                 </a:solidFill>
               </a:rPr>
-              <a:t>Utilisation du module</a:t>
+              <a:t>Intégration CI/CD</a:t>
             </a:r>
           </a:p>
         </p:txBody>
@@ -5023,7 +5059,7 @@
         <p:spPr>
           <a:xfrm>
             <a:off x="1410842" y="1467270"/>
-            <a:ext cx="9011728" cy="4308872"/>
+            <a:ext cx="9011728" cy="3323987"/>
           </a:xfrm>
           <a:prstGeom prst="rect">
             <a:avLst/>
@@ -5045,7 +5081,7 @@
                 <a:latin typeface="Arial" panose="020B0604020202020204" pitchFamily="34" charset="0"/>
                 <a:cs typeface="Arial" panose="020B0604020202020204" pitchFamily="34" charset="0"/>
               </a:rPr>
-              <a:t>Il est possible de limiter les tests en utilisant –Test </a:t>
+              <a:t>Puisque ARM-TTK est un module PowerShell il est facile de l’intégrer dans une chaine d’intégration et de déploiement. </a:t>
             </a:r>
           </a:p>
           <a:p>
@@ -5063,183 +5099,113 @@
               <a:buFont typeface="Wingdings" panose="05000000000000000000" pitchFamily="2" charset="2"/>
               <a:buChar char="q"/>
             </a:pPr>
-            <a:r>
-              <a:rPr lang="fr-FR" sz="1600" dirty="0">
-                <a:latin typeface="Arial" panose="020B0604020202020204" pitchFamily="34" charset="0"/>
-                <a:cs typeface="Arial" panose="020B0604020202020204" pitchFamily="34" charset="0"/>
-              </a:rPr>
-              <a:t>Il est aussi possible de passer des paramètres avec –</a:t>
-            </a:r>
-            <a:r>
-              <a:rPr lang="fr-FR" sz="1600" dirty="0" err="1">
-                <a:latin typeface="Arial" panose="020B0604020202020204" pitchFamily="34" charset="0"/>
-                <a:cs typeface="Arial" panose="020B0604020202020204" pitchFamily="34" charset="0"/>
-              </a:rPr>
-              <a:t>TestParameter</a:t>
-            </a:r>
-            <a:r>
-              <a:rPr lang="fr-FR" sz="1600" dirty="0">
-                <a:latin typeface="Arial" panose="020B0604020202020204" pitchFamily="34" charset="0"/>
-                <a:cs typeface="Arial" panose="020B0604020202020204" pitchFamily="34" charset="0"/>
-              </a:rPr>
-              <a:t> (collection)</a:t>
-            </a:r>
+            <a:endParaRPr lang="en-GB" sz="1600" dirty="0">
+              <a:latin typeface="Arial" panose="020B0604020202020204" pitchFamily="34" charset="0"/>
+              <a:cs typeface="Arial" panose="020B0604020202020204" pitchFamily="34" charset="0"/>
+            </a:endParaRPr>
           </a:p>
           <a:p>
             <a:pPr marL="285750" indent="-285750">
               <a:buFont typeface="Wingdings" panose="05000000000000000000" pitchFamily="2" charset="2"/>
               <a:buChar char="q"/>
             </a:pPr>
-            <a:endParaRPr lang="fr-FR" sz="1600" dirty="0">
-              <a:latin typeface="Arial" panose="020B0604020202020204" pitchFamily="34" charset="0"/>
-              <a:cs typeface="Arial" panose="020B0604020202020204" pitchFamily="34" charset="0"/>
-            </a:endParaRPr>
+            <a:r>
+              <a:rPr lang="fr-FR" sz="1600" dirty="0">
+                <a:latin typeface="Arial" panose="020B0604020202020204" pitchFamily="34" charset="0"/>
+                <a:cs typeface="Arial" panose="020B0604020202020204" pitchFamily="34" charset="0"/>
+              </a:rPr>
+              <a:t>Le but est que chaque Pull </a:t>
+            </a:r>
+            <a:r>
+              <a:rPr lang="fr-FR" sz="1600" dirty="0" err="1">
+                <a:latin typeface="Arial" panose="020B0604020202020204" pitchFamily="34" charset="0"/>
+                <a:cs typeface="Arial" panose="020B0604020202020204" pitchFamily="34" charset="0"/>
+              </a:rPr>
+              <a:t>Request</a:t>
+            </a:r>
+            <a:r>
+              <a:rPr lang="fr-FR" sz="1600" dirty="0">
+                <a:latin typeface="Arial" panose="020B0604020202020204" pitchFamily="34" charset="0"/>
+                <a:cs typeface="Arial" panose="020B0604020202020204" pitchFamily="34" charset="0"/>
+              </a:rPr>
+              <a:t>/Push déclenche un test permettant à l’équipe de rapidement détecter les problèmes. </a:t>
+            </a:r>
           </a:p>
           <a:p>
             <a:pPr marL="285750" indent="-285750">
               <a:buFont typeface="Wingdings" panose="05000000000000000000" pitchFamily="2" charset="2"/>
               <a:buChar char="q"/>
             </a:pPr>
-            <a:r>
-              <a:rPr lang="fr-FR" sz="1600" dirty="0">
-                <a:latin typeface="Arial" panose="020B0604020202020204" pitchFamily="34" charset="0"/>
-                <a:cs typeface="Arial" panose="020B0604020202020204" pitchFamily="34" charset="0"/>
-              </a:rPr>
-              <a:t>Il est possible d’écrire ces propres tests </a:t>
-            </a:r>
+            <a:endParaRPr lang="en-GB" sz="1600" dirty="0">
+              <a:latin typeface="Arial" panose="020B0604020202020204" pitchFamily="34" charset="0"/>
+              <a:cs typeface="Arial" panose="020B0604020202020204" pitchFamily="34" charset="0"/>
+            </a:endParaRPr>
           </a:p>
           <a:p>
             <a:pPr marL="285750" indent="-285750">
               <a:buFont typeface="Wingdings" panose="05000000000000000000" pitchFamily="2" charset="2"/>
               <a:buChar char="q"/>
             </a:pPr>
-            <a:endParaRPr lang="fr-FR" sz="1600" dirty="0">
-              <a:latin typeface="Arial" panose="020B0604020202020204" pitchFamily="34" charset="0"/>
-              <a:cs typeface="Arial" panose="020B0604020202020204" pitchFamily="34" charset="0"/>
-            </a:endParaRPr>
+            <a:r>
+              <a:rPr lang="en-GB" sz="1600" dirty="0">
+                <a:latin typeface="Arial" panose="020B0604020202020204" pitchFamily="34" charset="0"/>
+                <a:cs typeface="Arial" panose="020B0604020202020204" pitchFamily="34" charset="0"/>
+              </a:rPr>
+              <a:t>Deux Options</a:t>
+            </a:r>
           </a:p>
           <a:p>
             <a:pPr marL="742950" lvl="1" indent="-285750">
               <a:buFont typeface="Wingdings" panose="05000000000000000000" pitchFamily="2" charset="2"/>
               <a:buChar char="q"/>
             </a:pPr>
-            <a:r>
-              <a:rPr lang="fr-FR" sz="1600" dirty="0">
-                <a:latin typeface="Arial" panose="020B0604020202020204" pitchFamily="34" charset="0"/>
-                <a:cs typeface="Arial" panose="020B0604020202020204" pitchFamily="34" charset="0"/>
-              </a:rPr>
-              <a:t>Première étape, créer un fichier .test.ps1, le nom du fichier doit correspondre au nom du test en remplacent les espaces par un – ou un _</a:t>
-            </a:r>
+            <a:endParaRPr lang="en-GB" sz="1600" dirty="0">
+              <a:latin typeface="Arial" panose="020B0604020202020204" pitchFamily="34" charset="0"/>
+              <a:cs typeface="Arial" panose="020B0604020202020204" pitchFamily="34" charset="0"/>
+            </a:endParaRPr>
           </a:p>
           <a:p>
             <a:pPr marL="742950" lvl="1" indent="-285750">
               <a:buFont typeface="Wingdings" panose="05000000000000000000" pitchFamily="2" charset="2"/>
               <a:buChar char="q"/>
             </a:pPr>
-            <a:endParaRPr lang="fr-FR" sz="1600" dirty="0">
-              <a:latin typeface="Arial" panose="020B0604020202020204" pitchFamily="34" charset="0"/>
-              <a:cs typeface="Arial" panose="020B0604020202020204" pitchFamily="34" charset="0"/>
-            </a:endParaRPr>
+            <a:r>
+              <a:rPr lang="en-GB" sz="1600" dirty="0">
+                <a:latin typeface="Arial" panose="020B0604020202020204" pitchFamily="34" charset="0"/>
+                <a:cs typeface="Arial" panose="020B0604020202020204" pitchFamily="34" charset="0"/>
+              </a:rPr>
+              <a:t>GitHub Actions</a:t>
+            </a:r>
           </a:p>
           <a:p>
             <a:pPr marL="742950" lvl="1" indent="-285750">
               <a:buFont typeface="Wingdings" panose="05000000000000000000" pitchFamily="2" charset="2"/>
               <a:buChar char="q"/>
             </a:pPr>
-            <a:r>
-              <a:rPr lang="fr-FR" sz="1600" dirty="0">
-                <a:latin typeface="Arial" panose="020B0604020202020204" pitchFamily="34" charset="0"/>
-                <a:cs typeface="Arial" panose="020B0604020202020204" pitchFamily="34" charset="0"/>
-              </a:rPr>
-              <a:t>Seconde étape, avoir un paramètre pour récupérer l’objet à tester</a:t>
-            </a:r>
-          </a:p>
-          <a:p>
-            <a:pPr lvl="2"/>
-            <a:r>
-              <a:rPr lang="fr-FR" sz="1600" dirty="0">
-                <a:latin typeface="Arial" panose="020B0604020202020204" pitchFamily="34" charset="0"/>
-                <a:cs typeface="Arial" panose="020B0604020202020204" pitchFamily="34" charset="0"/>
-              </a:rPr>
-              <a:t>param(</a:t>
-            </a:r>
-          </a:p>
-          <a:p>
-            <a:pPr lvl="2"/>
-            <a:r>
-              <a:rPr lang="fr-FR" sz="1600" dirty="0">
-                <a:latin typeface="Arial" panose="020B0604020202020204" pitchFamily="34" charset="0"/>
-                <a:cs typeface="Arial" panose="020B0604020202020204" pitchFamily="34" charset="0"/>
-              </a:rPr>
-              <a:t>	[</a:t>
-            </a:r>
-            <a:r>
-              <a:rPr lang="fr-FR" sz="1600" dirty="0" err="1">
-                <a:latin typeface="Arial" panose="020B0604020202020204" pitchFamily="34" charset="0"/>
-                <a:cs typeface="Arial" panose="020B0604020202020204" pitchFamily="34" charset="0"/>
-              </a:rPr>
-              <a:t>PSObject</a:t>
-            </a:r>
-            <a:r>
-              <a:rPr lang="fr-FR" sz="1600" dirty="0">
-                <a:latin typeface="Arial" panose="020B0604020202020204" pitchFamily="34" charset="0"/>
-                <a:cs typeface="Arial" panose="020B0604020202020204" pitchFamily="34" charset="0"/>
-              </a:rPr>
-              <a:t>]$</a:t>
-            </a:r>
-            <a:r>
-              <a:rPr lang="fr-FR" sz="1600" dirty="0" err="1">
-                <a:latin typeface="Arial" panose="020B0604020202020204" pitchFamily="34" charset="0"/>
-                <a:cs typeface="Arial" panose="020B0604020202020204" pitchFamily="34" charset="0"/>
-              </a:rPr>
-              <a:t>TemplateObject</a:t>
-            </a:r>
-            <a:endParaRPr lang="fr-FR" sz="1600" dirty="0">
+            <a:endParaRPr lang="en-GB" sz="1600" dirty="0">
               <a:latin typeface="Arial" panose="020B0604020202020204" pitchFamily="34" charset="0"/>
               <a:cs typeface="Arial" panose="020B0604020202020204" pitchFamily="34" charset="0"/>
             </a:endParaRPr>
           </a:p>
           <a:p>
-            <a:pPr lvl="2"/>
-            <a:r>
-              <a:rPr lang="fr-FR" sz="1600" dirty="0">
-                <a:latin typeface="Arial" panose="020B0604020202020204" pitchFamily="34" charset="0"/>
-                <a:cs typeface="Arial" panose="020B0604020202020204" pitchFamily="34" charset="0"/>
-              </a:rPr>
-              <a:t>)</a:t>
-            </a:r>
-          </a:p>
-          <a:p>
-            <a:pPr lvl="2"/>
-            <a:endParaRPr lang="fr-FR" sz="1600" dirty="0">
-              <a:latin typeface="Arial" panose="020B0604020202020204" pitchFamily="34" charset="0"/>
-              <a:cs typeface="Arial" panose="020B0604020202020204" pitchFamily="34" charset="0"/>
-            </a:endParaRPr>
-          </a:p>
-          <a:p>
-            <a:endParaRPr lang="fr-FR" sz="1800" dirty="0">
-              <a:effectLst/>
-              <a:latin typeface="Calibri" panose="020F0502020204030204" pitchFamily="34" charset="0"/>
-              <a:ea typeface="Calibri" panose="020F0502020204030204" pitchFamily="34" charset="0"/>
-              <a:cs typeface="Times New Roman" panose="02020603050405020304" pitchFamily="18" charset="0"/>
-            </a:endParaRPr>
+            <a:pPr marL="742950" lvl="1" indent="-285750">
+              <a:buFont typeface="Wingdings" panose="05000000000000000000" pitchFamily="2" charset="2"/>
+              <a:buChar char="q"/>
+            </a:pPr>
+            <a:r>
+              <a:rPr lang="en-GB" sz="1600" dirty="0">
+                <a:latin typeface="Arial" panose="020B0604020202020204" pitchFamily="34" charset="0"/>
+                <a:cs typeface="Arial" panose="020B0604020202020204" pitchFamily="34" charset="0"/>
+              </a:rPr>
+              <a:t>Azure DevOps</a:t>
+            </a:r>
           </a:p>
           <a:p>
             <a:pPr marL="285750" indent="-285750">
               <a:buFont typeface="Wingdings" panose="05000000000000000000" pitchFamily="2" charset="2"/>
               <a:buChar char="q"/>
             </a:pPr>
-            <a:endParaRPr lang="fr-FR" sz="1600" dirty="0">
-              <a:latin typeface="Arial" panose="020B0604020202020204" pitchFamily="34" charset="0"/>
-              <a:cs typeface="Arial" panose="020B0604020202020204" pitchFamily="34" charset="0"/>
-            </a:endParaRPr>
-          </a:p>
-          <a:p>
-            <a:pPr lvl="1"/>
-            <a:endParaRPr lang="en-GB" sz="1600" b="1" u="sng" dirty="0">
-              <a:latin typeface="Arial" panose="020B0604020202020204" pitchFamily="34" charset="0"/>
-              <a:cs typeface="Arial" panose="020B0604020202020204" pitchFamily="34" charset="0"/>
-            </a:endParaRPr>
+            <a:endParaRPr lang="fr-FR" dirty="0"/>
           </a:p>
         </p:txBody>
       </p:sp>
@@ -5317,7 +5283,7 @@
           <p:cNvPr id="9" name="Picture 2" descr="A close up of a sign&#10;&#10;Description automatically generated">
             <a:extLst>
               <a:ext uri="{FF2B5EF4-FFF2-40B4-BE49-F238E27FC236}">
-                <a16:creationId xmlns:a16="http://schemas.microsoft.com/office/drawing/2014/main" id="{0C141C78-316D-4589-8431-412F69E48FEF}"/>
+                <a16:creationId xmlns:a16="http://schemas.microsoft.com/office/drawing/2014/main" id="{BBB0755F-C91F-456B-8D47-4CFBC947382B}"/>
               </a:ext>
             </a:extLst>
           </p:cNvPr>
@@ -5327,7 +5293,7 @@
           <p:nvPr/>
         </p:nvPicPr>
         <p:blipFill>
-          <a:blip r:embed="rId3">
+          <a:blip r:embed="rId2">
             <a:extLst>
               <a:ext uri="{28A0092B-C50C-407E-A947-70E740481C1C}">
                 <a14:useLocalDpi xmlns:a14="http://schemas.microsoft.com/office/drawing/2010/main" val="0"/>
@@ -5361,7 +5327,7 @@
     </p:spTree>
     <p:extLst>
       <p:ext uri="{BB962C8B-B14F-4D97-AF65-F5344CB8AC3E}">
-        <p14:creationId xmlns:p14="http://schemas.microsoft.com/office/powerpoint/2010/main" val="3189611156"/>
+        <p14:creationId xmlns:p14="http://schemas.microsoft.com/office/powerpoint/2010/main" val="3712477657"/>
       </p:ext>
     </p:extLst>
   </p:cSld>
@@ -5808,7 +5774,7 @@
                   </a:schemeClr>
                 </a:solidFill>
               </a:rPr>
-              <a:t>Intégration CI/CD</a:t>
+              <a:t>GitHub Actions</a:t>
             </a:r>
           </a:p>
         </p:txBody>
@@ -5891,7 +5857,7 @@
         <p:spPr>
           <a:xfrm>
             <a:off x="1410842" y="1467270"/>
-            <a:ext cx="9011728" cy="3323987"/>
+            <a:ext cx="9011728" cy="2031325"/>
           </a:xfrm>
           <a:prstGeom prst="rect">
             <a:avLst/>
@@ -5909,11 +5875,39 @@
               <a:buChar char="q"/>
             </a:pPr>
             <a:r>
-              <a:rPr lang="fr-FR" sz="1600" dirty="0">
-                <a:latin typeface="Arial" panose="020B0604020202020204" pitchFamily="34" charset="0"/>
-                <a:cs typeface="Arial" panose="020B0604020202020204" pitchFamily="34" charset="0"/>
-              </a:rPr>
-              <a:t>Puisque ARM-TTK est un module PowerShell il est facile de l’intégrer dans une chaine d’intégration et de déploiement. </a:t>
+              <a:rPr lang="en-GB" dirty="0">
+                <a:latin typeface="Arial" panose="020B0604020202020204" pitchFamily="34" charset="0"/>
+                <a:cs typeface="Arial" panose="020B0604020202020204" pitchFamily="34" charset="0"/>
+              </a:rPr>
+              <a:t>Nous </a:t>
+            </a:r>
+            <a:r>
+              <a:rPr lang="en-GB" dirty="0" err="1">
+                <a:latin typeface="Arial" panose="020B0604020202020204" pitchFamily="34" charset="0"/>
+                <a:cs typeface="Arial" panose="020B0604020202020204" pitchFamily="34" charset="0"/>
+              </a:rPr>
+              <a:t>avons</a:t>
+            </a:r>
+            <a:r>
+              <a:rPr lang="en-GB" dirty="0">
+                <a:latin typeface="Arial" panose="020B0604020202020204" pitchFamily="34" charset="0"/>
+                <a:cs typeface="Arial" panose="020B0604020202020204" pitchFamily="34" charset="0"/>
+              </a:rPr>
+              <a:t> </a:t>
+            </a:r>
+            <a:r>
+              <a:rPr lang="en-GB" dirty="0" err="1">
+                <a:latin typeface="Arial" panose="020B0604020202020204" pitchFamily="34" charset="0"/>
+                <a:cs typeface="Arial" panose="020B0604020202020204" pitchFamily="34" charset="0"/>
+              </a:rPr>
+              <a:t>besoin</a:t>
+            </a:r>
+            <a:r>
+              <a:rPr lang="en-GB" dirty="0">
+                <a:latin typeface="Arial" panose="020B0604020202020204" pitchFamily="34" charset="0"/>
+                <a:cs typeface="Arial" panose="020B0604020202020204" pitchFamily="34" charset="0"/>
+              </a:rPr>
+              <a:t>:</a:t>
             </a:r>
           </a:p>
           <a:p>
@@ -5921,80 +5915,75 @@
               <a:buFont typeface="Wingdings" panose="05000000000000000000" pitchFamily="2" charset="2"/>
               <a:buChar char="q"/>
             </a:pPr>
-            <a:endParaRPr lang="fr-FR" sz="1600" dirty="0">
+            <a:endParaRPr lang="en-GB" dirty="0">
               <a:latin typeface="Arial" panose="020B0604020202020204" pitchFamily="34" charset="0"/>
               <a:cs typeface="Arial" panose="020B0604020202020204" pitchFamily="34" charset="0"/>
             </a:endParaRPr>
-          </a:p>
-          <a:p>
-            <a:pPr marL="285750" indent="-285750">
-              <a:buFont typeface="Wingdings" panose="05000000000000000000" pitchFamily="2" charset="2"/>
-              <a:buChar char="q"/>
-            </a:pPr>
-            <a:endParaRPr lang="en-GB" sz="1600" dirty="0">
-              <a:latin typeface="Arial" panose="020B0604020202020204" pitchFamily="34" charset="0"/>
-              <a:cs typeface="Arial" panose="020B0604020202020204" pitchFamily="34" charset="0"/>
-            </a:endParaRPr>
-          </a:p>
-          <a:p>
-            <a:pPr marL="285750" indent="-285750">
-              <a:buFont typeface="Wingdings" panose="05000000000000000000" pitchFamily="2" charset="2"/>
-              <a:buChar char="q"/>
-            </a:pPr>
-            <a:r>
-              <a:rPr lang="fr-FR" sz="1600" dirty="0">
-                <a:latin typeface="Arial" panose="020B0604020202020204" pitchFamily="34" charset="0"/>
-                <a:cs typeface="Arial" panose="020B0604020202020204" pitchFamily="34" charset="0"/>
-              </a:rPr>
-              <a:t>Le but est que chaque Pull </a:t>
-            </a:r>
-            <a:r>
-              <a:rPr lang="fr-FR" sz="1600" dirty="0" err="1">
-                <a:latin typeface="Arial" panose="020B0604020202020204" pitchFamily="34" charset="0"/>
-                <a:cs typeface="Arial" panose="020B0604020202020204" pitchFamily="34" charset="0"/>
-              </a:rPr>
-              <a:t>Request</a:t>
-            </a:r>
-            <a:r>
-              <a:rPr lang="fr-FR" sz="1600" dirty="0">
-                <a:latin typeface="Arial" panose="020B0604020202020204" pitchFamily="34" charset="0"/>
-                <a:cs typeface="Arial" panose="020B0604020202020204" pitchFamily="34" charset="0"/>
-              </a:rPr>
-              <a:t>/Push déclenche un test permettant à l’équipe de rapidement détecter les problèmes. </a:t>
-            </a:r>
-          </a:p>
-          <a:p>
-            <a:pPr marL="285750" indent="-285750">
-              <a:buFont typeface="Wingdings" panose="05000000000000000000" pitchFamily="2" charset="2"/>
-              <a:buChar char="q"/>
-            </a:pPr>
-            <a:endParaRPr lang="en-GB" sz="1600" dirty="0">
-              <a:latin typeface="Arial" panose="020B0604020202020204" pitchFamily="34" charset="0"/>
-              <a:cs typeface="Arial" panose="020B0604020202020204" pitchFamily="34" charset="0"/>
-            </a:endParaRPr>
-          </a:p>
-          <a:p>
-            <a:pPr marL="285750" indent="-285750">
-              <a:buFont typeface="Wingdings" panose="05000000000000000000" pitchFamily="2" charset="2"/>
-              <a:buChar char="q"/>
-            </a:pPr>
-            <a:r>
-              <a:rPr lang="en-GB" sz="1600" dirty="0">
-                <a:latin typeface="Arial" panose="020B0604020202020204" pitchFamily="34" charset="0"/>
-                <a:cs typeface="Arial" panose="020B0604020202020204" pitchFamily="34" charset="0"/>
-              </a:rPr>
-              <a:t>Deux Options</a:t>
-            </a:r>
           </a:p>
           <a:p>
             <a:pPr marL="742950" lvl="1" indent="-285750">
               <a:buFont typeface="Wingdings" panose="05000000000000000000" pitchFamily="2" charset="2"/>
               <a:buChar char="q"/>
             </a:pPr>
-            <a:endParaRPr lang="en-GB" sz="1600" dirty="0">
-              <a:latin typeface="Arial" panose="020B0604020202020204" pitchFamily="34" charset="0"/>
-              <a:cs typeface="Arial" panose="020B0604020202020204" pitchFamily="34" charset="0"/>
-            </a:endParaRPr>
+            <a:r>
+              <a:rPr lang="en-GB" dirty="0">
+                <a:latin typeface="Arial" panose="020B0604020202020204" pitchFamily="34" charset="0"/>
+                <a:cs typeface="Arial" panose="020B0604020202020204" pitchFamily="34" charset="0"/>
+              </a:rPr>
+              <a:t>D’un dossier </a:t>
+            </a:r>
+            <a:r>
+              <a:rPr lang="en-GB" dirty="0" err="1">
+                <a:latin typeface="Arial" panose="020B0604020202020204" pitchFamily="34" charset="0"/>
+                <a:cs typeface="Arial" panose="020B0604020202020204" pitchFamily="34" charset="0"/>
+              </a:rPr>
+              <a:t>où</a:t>
+            </a:r>
+            <a:r>
+              <a:rPr lang="en-GB" dirty="0">
+                <a:latin typeface="Arial" panose="020B0604020202020204" pitchFamily="34" charset="0"/>
+                <a:cs typeface="Arial" panose="020B0604020202020204" pitchFamily="34" charset="0"/>
+              </a:rPr>
+              <a:t> </a:t>
+            </a:r>
+            <a:r>
+              <a:rPr lang="en-GB" dirty="0" err="1">
+                <a:latin typeface="Arial" panose="020B0604020202020204" pitchFamily="34" charset="0"/>
+                <a:cs typeface="Arial" panose="020B0604020202020204" pitchFamily="34" charset="0"/>
+              </a:rPr>
+              <a:t>déposer</a:t>
+            </a:r>
+            <a:r>
+              <a:rPr lang="en-GB" dirty="0">
+                <a:latin typeface="Arial" panose="020B0604020202020204" pitchFamily="34" charset="0"/>
+                <a:cs typeface="Arial" panose="020B0604020202020204" pitchFamily="34" charset="0"/>
+              </a:rPr>
+              <a:t> un </a:t>
+            </a:r>
+            <a:r>
+              <a:rPr lang="en-GB" dirty="0" err="1">
+                <a:latin typeface="Arial" panose="020B0604020202020204" pitchFamily="34" charset="0"/>
+                <a:cs typeface="Arial" panose="020B0604020202020204" pitchFamily="34" charset="0"/>
+              </a:rPr>
+              <a:t>DockerFile</a:t>
+            </a:r>
+            <a:r>
+              <a:rPr lang="en-GB" dirty="0">
+                <a:latin typeface="Arial" panose="020B0604020202020204" pitchFamily="34" charset="0"/>
+                <a:cs typeface="Arial" panose="020B0604020202020204" pitchFamily="34" charset="0"/>
+              </a:rPr>
+              <a:t>, la definition du workflow et un script pour tester le/les templates avec ARM-TTK</a:t>
+            </a:r>
+          </a:p>
+          <a:p>
+            <a:pPr lvl="1"/>
+            <a:r>
+              <a:rPr lang="en-GB" dirty="0">
+                <a:latin typeface="Arial" panose="020B0604020202020204" pitchFamily="34" charset="0"/>
+                <a:cs typeface="Arial" panose="020B0604020202020204" pitchFamily="34" charset="0"/>
+              </a:rPr>
+              <a:t> </a:t>
+            </a:r>
           </a:p>
           <a:p>
             <a:pPr marL="742950" lvl="1" indent="-285750">
@@ -6002,41 +5991,56 @@
               <a:buChar char="q"/>
             </a:pPr>
             <a:r>
-              <a:rPr lang="en-GB" sz="1600" dirty="0">
-                <a:latin typeface="Arial" panose="020B0604020202020204" pitchFamily="34" charset="0"/>
-                <a:cs typeface="Arial" panose="020B0604020202020204" pitchFamily="34" charset="0"/>
-              </a:rPr>
-              <a:t>GitHub Actions</a:t>
-            </a:r>
-          </a:p>
-          <a:p>
-            <a:pPr marL="742950" lvl="1" indent="-285750">
-              <a:buFont typeface="Wingdings" panose="05000000000000000000" pitchFamily="2" charset="2"/>
-              <a:buChar char="q"/>
-            </a:pPr>
-            <a:endParaRPr lang="en-GB" sz="1600" dirty="0">
-              <a:latin typeface="Arial" panose="020B0604020202020204" pitchFamily="34" charset="0"/>
-              <a:cs typeface="Arial" panose="020B0604020202020204" pitchFamily="34" charset="0"/>
-            </a:endParaRPr>
-          </a:p>
-          <a:p>
-            <a:pPr marL="742950" lvl="1" indent="-285750">
-              <a:buFont typeface="Wingdings" panose="05000000000000000000" pitchFamily="2" charset="2"/>
-              <a:buChar char="q"/>
-            </a:pPr>
-            <a:r>
-              <a:rPr lang="en-GB" sz="1600" dirty="0">
-                <a:latin typeface="Arial" panose="020B0604020202020204" pitchFamily="34" charset="0"/>
-                <a:cs typeface="Arial" panose="020B0604020202020204" pitchFamily="34" charset="0"/>
-              </a:rPr>
-              <a:t>Azure DevOps</a:t>
-            </a:r>
-          </a:p>
-          <a:p>
-            <a:pPr marL="285750" indent="-285750">
-              <a:buFont typeface="Wingdings" panose="05000000000000000000" pitchFamily="2" charset="2"/>
-              <a:buChar char="q"/>
-            </a:pPr>
+              <a:rPr lang="en-GB" dirty="0">
+                <a:latin typeface="Arial" panose="020B0604020202020204" pitchFamily="34" charset="0"/>
+                <a:cs typeface="Arial" panose="020B0604020202020204" pitchFamily="34" charset="0"/>
+              </a:rPr>
+              <a:t>Un </a:t>
+            </a:r>
+            <a:r>
+              <a:rPr lang="en-GB" dirty="0" err="1">
+                <a:latin typeface="Arial" panose="020B0604020202020204" pitchFamily="34" charset="0"/>
+                <a:cs typeface="Arial" panose="020B0604020202020204" pitchFamily="34" charset="0"/>
+              </a:rPr>
+              <a:t>fichier</a:t>
+            </a:r>
+            <a:r>
+              <a:rPr lang="en-GB" dirty="0">
+                <a:latin typeface="Arial" panose="020B0604020202020204" pitchFamily="34" charset="0"/>
+                <a:cs typeface="Arial" panose="020B0604020202020204" pitchFamily="34" charset="0"/>
+              </a:rPr>
+              <a:t> </a:t>
+            </a:r>
+            <a:r>
+              <a:rPr lang="en-GB" dirty="0" err="1">
+                <a:latin typeface="Arial" panose="020B0604020202020204" pitchFamily="34" charset="0"/>
+                <a:cs typeface="Arial" panose="020B0604020202020204" pitchFamily="34" charset="0"/>
+              </a:rPr>
+              <a:t>fichier</a:t>
+            </a:r>
+            <a:r>
+              <a:rPr lang="en-GB" dirty="0">
+                <a:latin typeface="Arial" panose="020B0604020202020204" pitchFamily="34" charset="0"/>
+                <a:cs typeface="Arial" panose="020B0604020202020204" pitchFamily="34" charset="0"/>
+              </a:rPr>
+              <a:t> workflow dans le dossier .</a:t>
+            </a:r>
+            <a:r>
+              <a:rPr lang="en-GB" dirty="0" err="1">
+                <a:latin typeface="Arial" panose="020B0604020202020204" pitchFamily="34" charset="0"/>
+                <a:cs typeface="Arial" panose="020B0604020202020204" pitchFamily="34" charset="0"/>
+              </a:rPr>
+              <a:t>github</a:t>
+            </a:r>
+            <a:r>
+              <a:rPr lang="en-GB" dirty="0">
+                <a:latin typeface="Arial" panose="020B0604020202020204" pitchFamily="34" charset="0"/>
+                <a:cs typeface="Arial" panose="020B0604020202020204" pitchFamily="34" charset="0"/>
+              </a:rPr>
+              <a:t>/workflows</a:t>
+            </a:r>
+          </a:p>
+          <a:p>
             <a:endParaRPr lang="fr-FR" dirty="0"/>
           </a:p>
         </p:txBody>
@@ -6115,7 +6119,7 @@
           <p:cNvPr id="9" name="Picture 2" descr="A close up of a sign&#10;&#10;Description automatically generated">
             <a:extLst>
               <a:ext uri="{FF2B5EF4-FFF2-40B4-BE49-F238E27FC236}">
-                <a16:creationId xmlns:a16="http://schemas.microsoft.com/office/drawing/2014/main" id="{BBB0755F-C91F-456B-8D47-4CFBC947382B}"/>
+                <a16:creationId xmlns:a16="http://schemas.microsoft.com/office/drawing/2014/main" id="{9F19ECF8-817F-4666-B70B-C3ED11FE6364}"/>
               </a:ext>
             </a:extLst>
           </p:cNvPr>
@@ -6125,7 +6129,7 @@
           <p:nvPr/>
         </p:nvPicPr>
         <p:blipFill>
-          <a:blip r:embed="rId2">
+          <a:blip r:embed="rId3">
             <a:extLst>
               <a:ext uri="{28A0092B-C50C-407E-A947-70E740481C1C}">
                 <a14:useLocalDpi xmlns:a14="http://schemas.microsoft.com/office/drawing/2010/main" val="0"/>
@@ -6159,7 +6163,7 @@
     </p:spTree>
     <p:extLst>
       <p:ext uri="{BB962C8B-B14F-4D97-AF65-F5344CB8AC3E}">
-        <p14:creationId xmlns:p14="http://schemas.microsoft.com/office/powerpoint/2010/main" val="3712477657"/>
+        <p14:creationId xmlns:p14="http://schemas.microsoft.com/office/powerpoint/2010/main" val="236444286"/>
       </p:ext>
     </p:extLst>
   </p:cSld>
@@ -6689,7 +6693,7 @@
         <p:spPr>
           <a:xfrm>
             <a:off x="1410842" y="1467270"/>
-            <a:ext cx="9011728" cy="2031325"/>
+            <a:ext cx="9011728" cy="2308324"/>
           </a:xfrm>
           <a:prstGeom prst="rect">
             <a:avLst/>
@@ -6758,53 +6762,25 @@
               <a:buChar char="q"/>
             </a:pPr>
             <a:r>
-              <a:rPr lang="en-GB" dirty="0">
-                <a:latin typeface="Arial" panose="020B0604020202020204" pitchFamily="34" charset="0"/>
-                <a:cs typeface="Arial" panose="020B0604020202020204" pitchFamily="34" charset="0"/>
-              </a:rPr>
-              <a:t>D’un dossier </a:t>
-            </a:r>
-            <a:r>
-              <a:rPr lang="en-GB" dirty="0" err="1">
-                <a:latin typeface="Arial" panose="020B0604020202020204" pitchFamily="34" charset="0"/>
-                <a:cs typeface="Arial" panose="020B0604020202020204" pitchFamily="34" charset="0"/>
-              </a:rPr>
-              <a:t>où</a:t>
-            </a:r>
-            <a:r>
-              <a:rPr lang="en-GB" dirty="0">
-                <a:latin typeface="Arial" panose="020B0604020202020204" pitchFamily="34" charset="0"/>
-                <a:cs typeface="Arial" panose="020B0604020202020204" pitchFamily="34" charset="0"/>
-              </a:rPr>
-              <a:t> </a:t>
-            </a:r>
-            <a:r>
-              <a:rPr lang="en-GB" dirty="0" err="1">
-                <a:latin typeface="Arial" panose="020B0604020202020204" pitchFamily="34" charset="0"/>
-                <a:cs typeface="Arial" panose="020B0604020202020204" pitchFamily="34" charset="0"/>
-              </a:rPr>
-              <a:t>déposer</a:t>
-            </a:r>
-            <a:r>
-              <a:rPr lang="en-GB" dirty="0">
-                <a:latin typeface="Arial" panose="020B0604020202020204" pitchFamily="34" charset="0"/>
-                <a:cs typeface="Arial" panose="020B0604020202020204" pitchFamily="34" charset="0"/>
-              </a:rPr>
-              <a:t> un </a:t>
-            </a:r>
-            <a:r>
-              <a:rPr lang="en-GB" dirty="0" err="1">
-                <a:latin typeface="Arial" panose="020B0604020202020204" pitchFamily="34" charset="0"/>
-                <a:cs typeface="Arial" panose="020B0604020202020204" pitchFamily="34" charset="0"/>
-              </a:rPr>
-              <a:t>DockerFile</a:t>
-            </a:r>
-            <a:r>
-              <a:rPr lang="en-GB" dirty="0">
-                <a:latin typeface="Arial" panose="020B0604020202020204" pitchFamily="34" charset="0"/>
-                <a:cs typeface="Arial" panose="020B0604020202020204" pitchFamily="34" charset="0"/>
-              </a:rPr>
-              <a:t>, la definition du workflow et un script pour tester le/les templates avec ARM-TTK</a:t>
+              <a:rPr lang="fr-FR" dirty="0">
+                <a:latin typeface="Arial" panose="020B0604020202020204" pitchFamily="34" charset="0"/>
+                <a:cs typeface="Arial" panose="020B0604020202020204" pitchFamily="34" charset="0"/>
+              </a:rPr>
+              <a:t>Il est nécessaire d’ajouter l’extension Run ARM TTK Tests de Sam </a:t>
+            </a:r>
+            <a:r>
+              <a:rPr lang="fr-FR" dirty="0" err="1">
+                <a:latin typeface="Arial" panose="020B0604020202020204" pitchFamily="34" charset="0"/>
+                <a:cs typeface="Arial" panose="020B0604020202020204" pitchFamily="34" charset="0"/>
+              </a:rPr>
+              <a:t>Cogan</a:t>
+            </a:r>
+            <a:r>
+              <a:rPr lang="fr-FR" dirty="0">
+                <a:latin typeface="Arial" panose="020B0604020202020204" pitchFamily="34" charset="0"/>
+                <a:cs typeface="Arial" panose="020B0604020202020204" pitchFamily="34" charset="0"/>
+              </a:rPr>
+              <a:t> (https://marketplace.visualstudio.com/items?itemName=Sam-Cogan.ARMTTKExtension) </a:t>
             </a:r>
           </a:p>
           <a:p>
@@ -6848,28 +6824,28 @@
                 <a:latin typeface="Arial" panose="020B0604020202020204" pitchFamily="34" charset="0"/>
                 <a:cs typeface="Arial" panose="020B0604020202020204" pitchFamily="34" charset="0"/>
               </a:rPr>
-              <a:t>fichier</a:t>
+              <a:t>yaml</a:t>
             </a:r>
             <a:r>
               <a:rPr lang="en-GB" dirty="0">
                 <a:latin typeface="Arial" panose="020B0604020202020204" pitchFamily="34" charset="0"/>
                 <a:cs typeface="Arial" panose="020B0604020202020204" pitchFamily="34" charset="0"/>
               </a:rPr>
-              <a:t> workflow dans le dossier .</a:t>
+              <a:t> pour </a:t>
             </a:r>
             <a:r>
               <a:rPr lang="en-GB" dirty="0" err="1">
                 <a:latin typeface="Arial" panose="020B0604020202020204" pitchFamily="34" charset="0"/>
                 <a:cs typeface="Arial" panose="020B0604020202020204" pitchFamily="34" charset="0"/>
               </a:rPr>
-              <a:t>github</a:t>
+              <a:t>decrire</a:t>
             </a:r>
             <a:r>
               <a:rPr lang="en-GB" dirty="0">
                 <a:latin typeface="Arial" panose="020B0604020202020204" pitchFamily="34" charset="0"/>
                 <a:cs typeface="Arial" panose="020B0604020202020204" pitchFamily="34" charset="0"/>
               </a:rPr>
-              <a:t>/workflows</a:t>
+              <a:t> le Pipeline</a:t>
             </a:r>
           </a:p>
           <a:p>
@@ -6951,7 +6927,7 @@
           <p:cNvPr id="9" name="Picture 2" descr="A close up of a sign&#10;&#10;Description automatically generated">
             <a:extLst>
               <a:ext uri="{FF2B5EF4-FFF2-40B4-BE49-F238E27FC236}">
-                <a16:creationId xmlns:a16="http://schemas.microsoft.com/office/drawing/2014/main" id="{9F19ECF8-817F-4666-B70B-C3ED11FE6364}"/>
+                <a16:creationId xmlns:a16="http://schemas.microsoft.com/office/drawing/2014/main" id="{FBF83966-BDAC-4A7E-A0A9-DC089D94B254}"/>
               </a:ext>
             </a:extLst>
           </p:cNvPr>
@@ -6974,7 +6950,7 @@
         </p:blipFill>
         <p:spPr bwMode="auto">
           <a:xfrm>
-            <a:off x="9482529" y="5386698"/>
+            <a:off x="9398125" y="5386698"/>
             <a:ext cx="1024445" cy="789805"/>
           </a:xfrm>
           <a:prstGeom prst="rect">
@@ -6995,7 +6971,7 @@
     </p:spTree>
     <p:extLst>
       <p:ext uri="{BB962C8B-B14F-4D97-AF65-F5344CB8AC3E}">
-        <p14:creationId xmlns:p14="http://schemas.microsoft.com/office/powerpoint/2010/main" val="236444286"/>
+        <p14:creationId xmlns:p14="http://schemas.microsoft.com/office/powerpoint/2010/main" val="3860894508"/>
       </p:ext>
     </p:extLst>
   </p:cSld>
@@ -7442,7 +7418,7 @@
                   </a:schemeClr>
                 </a:solidFill>
               </a:rPr>
-              <a:t>GitHub Actions</a:t>
+              <a:t>Conclusions</a:t>
             </a:r>
           </a:p>
         </p:txBody>
@@ -7525,814 +7501,6 @@
         <p:spPr>
           <a:xfrm>
             <a:off x="1410842" y="1467270"/>
-            <a:ext cx="9011728" cy="2308324"/>
-          </a:xfrm>
-          <a:prstGeom prst="rect">
-            <a:avLst/>
-          </a:prstGeom>
-          <a:noFill/>
-        </p:spPr>
-        <p:txBody>
-          <a:bodyPr wrap="square" rtlCol="0">
-            <a:spAutoFit/>
-          </a:bodyPr>
-          <a:lstStyle/>
-          <a:p>
-            <a:pPr marL="285750" indent="-285750">
-              <a:buFont typeface="Wingdings" panose="05000000000000000000" pitchFamily="2" charset="2"/>
-              <a:buChar char="q"/>
-            </a:pPr>
-            <a:r>
-              <a:rPr lang="en-GB" dirty="0">
-                <a:latin typeface="Arial" panose="020B0604020202020204" pitchFamily="34" charset="0"/>
-                <a:cs typeface="Arial" panose="020B0604020202020204" pitchFamily="34" charset="0"/>
-              </a:rPr>
-              <a:t>Nous </a:t>
-            </a:r>
-            <a:r>
-              <a:rPr lang="en-GB" dirty="0" err="1">
-                <a:latin typeface="Arial" panose="020B0604020202020204" pitchFamily="34" charset="0"/>
-                <a:cs typeface="Arial" panose="020B0604020202020204" pitchFamily="34" charset="0"/>
-              </a:rPr>
-              <a:t>avons</a:t>
-            </a:r>
-            <a:r>
-              <a:rPr lang="en-GB" dirty="0">
-                <a:latin typeface="Arial" panose="020B0604020202020204" pitchFamily="34" charset="0"/>
-                <a:cs typeface="Arial" panose="020B0604020202020204" pitchFamily="34" charset="0"/>
-              </a:rPr>
-              <a:t> </a:t>
-            </a:r>
-            <a:r>
-              <a:rPr lang="en-GB" dirty="0" err="1">
-                <a:latin typeface="Arial" panose="020B0604020202020204" pitchFamily="34" charset="0"/>
-                <a:cs typeface="Arial" panose="020B0604020202020204" pitchFamily="34" charset="0"/>
-              </a:rPr>
-              <a:t>besoin</a:t>
-            </a:r>
-            <a:r>
-              <a:rPr lang="en-GB" dirty="0">
-                <a:latin typeface="Arial" panose="020B0604020202020204" pitchFamily="34" charset="0"/>
-                <a:cs typeface="Arial" panose="020B0604020202020204" pitchFamily="34" charset="0"/>
-              </a:rPr>
-              <a:t>:</a:t>
-            </a:r>
-          </a:p>
-          <a:p>
-            <a:pPr marL="285750" indent="-285750">
-              <a:buFont typeface="Wingdings" panose="05000000000000000000" pitchFamily="2" charset="2"/>
-              <a:buChar char="q"/>
-            </a:pPr>
-            <a:endParaRPr lang="en-GB" dirty="0">
-              <a:latin typeface="Arial" panose="020B0604020202020204" pitchFamily="34" charset="0"/>
-              <a:cs typeface="Arial" panose="020B0604020202020204" pitchFamily="34" charset="0"/>
-            </a:endParaRPr>
-          </a:p>
-          <a:p>
-            <a:pPr marL="742950" lvl="1" indent="-285750">
-              <a:buFont typeface="Wingdings" panose="05000000000000000000" pitchFamily="2" charset="2"/>
-              <a:buChar char="q"/>
-            </a:pPr>
-            <a:r>
-              <a:rPr lang="fr-FR" dirty="0">
-                <a:latin typeface="Arial" panose="020B0604020202020204" pitchFamily="34" charset="0"/>
-                <a:cs typeface="Arial" panose="020B0604020202020204" pitchFamily="34" charset="0"/>
-              </a:rPr>
-              <a:t>Il est nécessaire d’ajouter l’extension Run ARM TTK Tests de Sam </a:t>
-            </a:r>
-            <a:r>
-              <a:rPr lang="fr-FR" dirty="0" err="1">
-                <a:latin typeface="Arial" panose="020B0604020202020204" pitchFamily="34" charset="0"/>
-                <a:cs typeface="Arial" panose="020B0604020202020204" pitchFamily="34" charset="0"/>
-              </a:rPr>
-              <a:t>Cogan</a:t>
-            </a:r>
-            <a:r>
-              <a:rPr lang="fr-FR" dirty="0">
-                <a:latin typeface="Arial" panose="020B0604020202020204" pitchFamily="34" charset="0"/>
-                <a:cs typeface="Arial" panose="020B0604020202020204" pitchFamily="34" charset="0"/>
-              </a:rPr>
-              <a:t> (https://marketplace.visualstudio.com/items?itemName=Sam-Cogan.ARMTTKExtension) </a:t>
-            </a:r>
-          </a:p>
-          <a:p>
-            <a:pPr lvl="1"/>
-            <a:r>
-              <a:rPr lang="en-GB" dirty="0">
-                <a:latin typeface="Arial" panose="020B0604020202020204" pitchFamily="34" charset="0"/>
-                <a:cs typeface="Arial" panose="020B0604020202020204" pitchFamily="34" charset="0"/>
-              </a:rPr>
-              <a:t> </a:t>
-            </a:r>
-          </a:p>
-          <a:p>
-            <a:pPr marL="742950" lvl="1" indent="-285750">
-              <a:buFont typeface="Wingdings" panose="05000000000000000000" pitchFamily="2" charset="2"/>
-              <a:buChar char="q"/>
-            </a:pPr>
-            <a:r>
-              <a:rPr lang="en-GB" dirty="0">
-                <a:latin typeface="Arial" panose="020B0604020202020204" pitchFamily="34" charset="0"/>
-                <a:cs typeface="Arial" panose="020B0604020202020204" pitchFamily="34" charset="0"/>
-              </a:rPr>
-              <a:t>Un </a:t>
-            </a:r>
-            <a:r>
-              <a:rPr lang="en-GB" dirty="0" err="1">
-                <a:latin typeface="Arial" panose="020B0604020202020204" pitchFamily="34" charset="0"/>
-                <a:cs typeface="Arial" panose="020B0604020202020204" pitchFamily="34" charset="0"/>
-              </a:rPr>
-              <a:t>fichier</a:t>
-            </a:r>
-            <a:r>
-              <a:rPr lang="en-GB" dirty="0">
-                <a:latin typeface="Arial" panose="020B0604020202020204" pitchFamily="34" charset="0"/>
-                <a:cs typeface="Arial" panose="020B0604020202020204" pitchFamily="34" charset="0"/>
-              </a:rPr>
-              <a:t> </a:t>
-            </a:r>
-            <a:r>
-              <a:rPr lang="en-GB" dirty="0" err="1">
-                <a:latin typeface="Arial" panose="020B0604020202020204" pitchFamily="34" charset="0"/>
-                <a:cs typeface="Arial" panose="020B0604020202020204" pitchFamily="34" charset="0"/>
-              </a:rPr>
-              <a:t>yaml</a:t>
-            </a:r>
-            <a:r>
-              <a:rPr lang="en-GB" dirty="0">
-                <a:latin typeface="Arial" panose="020B0604020202020204" pitchFamily="34" charset="0"/>
-                <a:cs typeface="Arial" panose="020B0604020202020204" pitchFamily="34" charset="0"/>
-              </a:rPr>
-              <a:t> pour </a:t>
-            </a:r>
-            <a:r>
-              <a:rPr lang="en-GB" dirty="0" err="1">
-                <a:latin typeface="Arial" panose="020B0604020202020204" pitchFamily="34" charset="0"/>
-                <a:cs typeface="Arial" panose="020B0604020202020204" pitchFamily="34" charset="0"/>
-              </a:rPr>
-              <a:t>decrire</a:t>
-            </a:r>
-            <a:r>
-              <a:rPr lang="en-GB" dirty="0">
-                <a:latin typeface="Arial" panose="020B0604020202020204" pitchFamily="34" charset="0"/>
-                <a:cs typeface="Arial" panose="020B0604020202020204" pitchFamily="34" charset="0"/>
-              </a:rPr>
-              <a:t> le Pipeline</a:t>
-            </a:r>
-          </a:p>
-          <a:p>
-            <a:endParaRPr lang="fr-FR" dirty="0"/>
-          </a:p>
-        </p:txBody>
-      </p:sp>
-      <p:sp>
-        <p:nvSpPr>
-          <p:cNvPr id="5" name="Rectangle 1">
-            <a:extLst>
-              <a:ext uri="{FF2B5EF4-FFF2-40B4-BE49-F238E27FC236}">
-                <a16:creationId xmlns:a16="http://schemas.microsoft.com/office/drawing/2014/main" id="{F75E65BF-5DBB-4D2D-966A-9B2210218C54}"/>
-              </a:ext>
-            </a:extLst>
-          </p:cNvPr>
-          <p:cNvSpPr>
-            <a:spLocks noChangeArrowheads="1"/>
-          </p:cNvSpPr>
-          <p:nvPr/>
-        </p:nvSpPr>
-        <p:spPr bwMode="auto">
-          <a:xfrm>
-            <a:off x="2894871" y="4540939"/>
-            <a:ext cx="12192000" cy="457200"/>
-          </a:xfrm>
-          <a:prstGeom prst="rect">
-            <a:avLst/>
-          </a:prstGeom>
-          <a:noFill/>
-          <a:ln>
-            <a:noFill/>
-          </a:ln>
-          <a:effectLst/>
-          <a:extLst>
-            <a:ext uri="{909E8E84-426E-40DD-AFC4-6F175D3DCCD1}">
-              <a14:hiddenFill xmlns:a14="http://schemas.microsoft.com/office/drawing/2010/main">
-                <a:solidFill>
-                  <a:schemeClr val="accent1"/>
-                </a:solidFill>
-              </a14:hiddenFill>
-            </a:ext>
-            <a:ext uri="{91240B29-F687-4F45-9708-019B960494DF}">
-              <a14:hiddenLine xmlns:a14="http://schemas.microsoft.com/office/drawing/2010/main" w="9525">
-                <a:solidFill>
-                  <a:schemeClr val="tx1"/>
-                </a:solidFill>
-                <a:miter lim="800000"/>
-                <a:headEnd/>
-                <a:tailEnd/>
-              </a14:hiddenLine>
-            </a:ext>
-            <a:ext uri="{AF507438-7753-43E0-B8FC-AC1667EBCBE1}">
-              <a14:hiddenEffects xmlns:a14="http://schemas.microsoft.com/office/drawing/2010/main">
-                <a:effectLst>
-                  <a:outerShdw dist="35921" dir="2700000" algn="ctr" rotWithShape="0">
-                    <a:schemeClr val="bg2"/>
-                  </a:outerShdw>
-                </a:effectLst>
-              </a14:hiddenEffects>
-            </a:ext>
-          </a:extLst>
-        </p:spPr>
-        <p:txBody>
-          <a:bodyPr vert="horz" wrap="none" lIns="91440" tIns="45720" rIns="91440" bIns="45720" numCol="1" anchor="ctr" anchorCtr="0" compatLnSpc="1">
-            <a:prstTxWarp prst="textNoShape">
-              <a:avLst/>
-            </a:prstTxWarp>
-            <a:spAutoFit/>
-          </a:bodyPr>
-          <a:lstStyle/>
-          <a:p>
-            <a:endParaRPr lang="fr-FR"/>
-          </a:p>
-        </p:txBody>
-      </p:sp>
-      <p:pic>
-        <p:nvPicPr>
-          <p:cNvPr id="9" name="Picture 2" descr="A close up of a sign&#10;&#10;Description automatically generated">
-            <a:extLst>
-              <a:ext uri="{FF2B5EF4-FFF2-40B4-BE49-F238E27FC236}">
-                <a16:creationId xmlns:a16="http://schemas.microsoft.com/office/drawing/2014/main" id="{FBF83966-BDAC-4A7E-A0A9-DC089D94B254}"/>
-              </a:ext>
-            </a:extLst>
-          </p:cNvPr>
-          <p:cNvPicPr>
-            <a:picLocks noChangeAspect="1" noChangeArrowheads="1"/>
-          </p:cNvPicPr>
-          <p:nvPr/>
-        </p:nvPicPr>
-        <p:blipFill>
-          <a:blip r:embed="rId3">
-            <a:extLst>
-              <a:ext uri="{28A0092B-C50C-407E-A947-70E740481C1C}">
-                <a14:useLocalDpi xmlns:a14="http://schemas.microsoft.com/office/drawing/2010/main" val="0"/>
-              </a:ext>
-            </a:extLst>
-          </a:blip>
-          <a:stretch>
-            <a:fillRect/>
-          </a:stretch>
-        </p:blipFill>
-        <p:spPr bwMode="auto">
-          <a:xfrm>
-            <a:off x="9398125" y="5386698"/>
-            <a:ext cx="1024445" cy="789805"/>
-          </a:xfrm>
-          <a:prstGeom prst="rect">
-            <a:avLst/>
-          </a:prstGeom>
-          <a:noFill/>
-          <a:extLst>
-            <a:ext uri="{909E8E84-426E-40DD-AFC4-6F175D3DCCD1}">
-              <a14:hiddenFill xmlns:a14="http://schemas.microsoft.com/office/drawing/2010/main">
-                <a:solidFill>
-                  <a:srgbClr val="FFFFFF"/>
-                </a:solidFill>
-              </a14:hiddenFill>
-            </a:ext>
-          </a:extLst>
-        </p:spPr>
-      </p:pic>
-    </p:spTree>
-    <p:extLst>
-      <p:ext uri="{BB962C8B-B14F-4D97-AF65-F5344CB8AC3E}">
-        <p14:creationId xmlns:p14="http://schemas.microsoft.com/office/powerpoint/2010/main" val="3860894508"/>
-      </p:ext>
-    </p:extLst>
-  </p:cSld>
-  <p:clrMapOvr>
-    <a:masterClrMapping/>
-  </p:clrMapOvr>
-</p:sld>
-</file>
-
-<file path=ppt/slides/slide14.xml><?xml version="1.0" encoding="utf-8"?>
-<p:sld xmlns:a="http://schemas.openxmlformats.org/drawingml/2006/main" xmlns:r="http://schemas.openxmlformats.org/officeDocument/2006/relationships" xmlns:p="http://schemas.openxmlformats.org/presentationml/2006/main">
-  <p:cSld>
-    <p:spTree>
-      <p:nvGrpSpPr>
-        <p:cNvPr id="1" name=""/>
-        <p:cNvGrpSpPr/>
-        <p:nvPr/>
-      </p:nvGrpSpPr>
-      <p:grpSpPr>
-        <a:xfrm>
-          <a:off x="0" y="0"/>
-          <a:ext cx="0" cy="0"/>
-          <a:chOff x="0" y="0"/>
-          <a:chExt cx="0" cy="0"/>
-        </a:xfrm>
-      </p:grpSpPr>
-      <p:sp>
-        <p:nvSpPr>
-          <p:cNvPr id="3" name="Content Placeholder 2"/>
-          <p:cNvSpPr>
-            <a:spLocks noGrp="1"/>
-          </p:cNvSpPr>
-          <p:nvPr>
-            <p:ph idx="1"/>
-          </p:nvPr>
-        </p:nvSpPr>
-        <p:spPr>
-          <a:xfrm>
-            <a:off x="347471" y="919876"/>
-            <a:ext cx="10433687" cy="5354989"/>
-          </a:xfrm>
-        </p:spPr>
-        <p:txBody>
-          <a:bodyPr/>
-          <a:lstStyle/>
-          <a:p>
-            <a:pPr lvl="1"/>
-            <a:endParaRPr lang="en-CA" dirty="0"/>
-          </a:p>
-          <a:p>
-            <a:pPr lvl="1"/>
-            <a:endParaRPr lang="en-CA" dirty="0"/>
-          </a:p>
-        </p:txBody>
-      </p:sp>
-      <p:sp>
-        <p:nvSpPr>
-          <p:cNvPr id="6" name="Rectangle 5">
-            <a:extLst>
-              <a:ext uri="{FF2B5EF4-FFF2-40B4-BE49-F238E27FC236}">
-                <a16:creationId xmlns:a16="http://schemas.microsoft.com/office/drawing/2014/main" id="{C2C67334-4716-4404-AACA-820908652F89}"/>
-              </a:ext>
-            </a:extLst>
-          </p:cNvPr>
-          <p:cNvSpPr/>
-          <p:nvPr/>
-        </p:nvSpPr>
-        <p:spPr>
-          <a:xfrm>
-            <a:off x="821316" y="1002007"/>
-            <a:ext cx="9959841" cy="5563056"/>
-          </a:xfrm>
-          <a:prstGeom prst="rect">
-            <a:avLst/>
-          </a:prstGeom>
-          <a:noFill/>
-          <a:ln cmpd="sng">
-            <a:solidFill>
-              <a:schemeClr val="accent2"/>
-            </a:solidFill>
-            <a:prstDash val="sysDot"/>
-          </a:ln>
-        </p:spPr>
-        <p:style>
-          <a:lnRef idx="2">
-            <a:schemeClr val="accent1">
-              <a:shade val="50000"/>
-            </a:schemeClr>
-          </a:lnRef>
-          <a:fillRef idx="1">
-            <a:schemeClr val="accent1"/>
-          </a:fillRef>
-          <a:effectRef idx="0">
-            <a:schemeClr val="accent1"/>
-          </a:effectRef>
-          <a:fontRef idx="minor">
-            <a:schemeClr val="lt1"/>
-          </a:fontRef>
-        </p:style>
-        <p:txBody>
-          <a:bodyPr rtlCol="0" anchor="ctr"/>
-          <a:lstStyle>
-            <a:defPPr>
-              <a:defRPr lang="fr-FR"/>
-            </a:defPPr>
-            <a:lvl1pPr marL="0" algn="l" defTabSz="914400" rtl="0" eaLnBrk="1" latinLnBrk="0" hangingPunct="1">
-              <a:defRPr sz="1800" kern="1200">
-                <a:solidFill>
-                  <a:schemeClr val="lt1"/>
-                </a:solidFill>
-                <a:latin typeface="+mn-lt"/>
-                <a:ea typeface="+mn-ea"/>
-                <a:cs typeface="+mn-cs"/>
-              </a:defRPr>
-            </a:lvl1pPr>
-            <a:lvl2pPr marL="457200" algn="l" defTabSz="914400" rtl="0" eaLnBrk="1" latinLnBrk="0" hangingPunct="1">
-              <a:defRPr sz="1800" kern="1200">
-                <a:solidFill>
-                  <a:schemeClr val="lt1"/>
-                </a:solidFill>
-                <a:latin typeface="+mn-lt"/>
-                <a:ea typeface="+mn-ea"/>
-                <a:cs typeface="+mn-cs"/>
-              </a:defRPr>
-            </a:lvl2pPr>
-            <a:lvl3pPr marL="914400" algn="l" defTabSz="914400" rtl="0" eaLnBrk="1" latinLnBrk="0" hangingPunct="1">
-              <a:defRPr sz="1800" kern="1200">
-                <a:solidFill>
-                  <a:schemeClr val="lt1"/>
-                </a:solidFill>
-                <a:latin typeface="+mn-lt"/>
-                <a:ea typeface="+mn-ea"/>
-                <a:cs typeface="+mn-cs"/>
-              </a:defRPr>
-            </a:lvl3pPr>
-            <a:lvl4pPr marL="1371600" algn="l" defTabSz="914400" rtl="0" eaLnBrk="1" latinLnBrk="0" hangingPunct="1">
-              <a:defRPr sz="1800" kern="1200">
-                <a:solidFill>
-                  <a:schemeClr val="lt1"/>
-                </a:solidFill>
-                <a:latin typeface="+mn-lt"/>
-                <a:ea typeface="+mn-ea"/>
-                <a:cs typeface="+mn-cs"/>
-              </a:defRPr>
-            </a:lvl4pPr>
-            <a:lvl5pPr marL="1828800" algn="l" defTabSz="914400" rtl="0" eaLnBrk="1" latinLnBrk="0" hangingPunct="1">
-              <a:defRPr sz="1800" kern="1200">
-                <a:solidFill>
-                  <a:schemeClr val="lt1"/>
-                </a:solidFill>
-                <a:latin typeface="+mn-lt"/>
-                <a:ea typeface="+mn-ea"/>
-                <a:cs typeface="+mn-cs"/>
-              </a:defRPr>
-            </a:lvl5pPr>
-            <a:lvl6pPr marL="2286000" algn="l" defTabSz="914400" rtl="0" eaLnBrk="1" latinLnBrk="0" hangingPunct="1">
-              <a:defRPr sz="1800" kern="1200">
-                <a:solidFill>
-                  <a:schemeClr val="lt1"/>
-                </a:solidFill>
-                <a:latin typeface="+mn-lt"/>
-                <a:ea typeface="+mn-ea"/>
-                <a:cs typeface="+mn-cs"/>
-              </a:defRPr>
-            </a:lvl6pPr>
-            <a:lvl7pPr marL="2743200" algn="l" defTabSz="914400" rtl="0" eaLnBrk="1" latinLnBrk="0" hangingPunct="1">
-              <a:defRPr sz="1800" kern="1200">
-                <a:solidFill>
-                  <a:schemeClr val="lt1"/>
-                </a:solidFill>
-                <a:latin typeface="+mn-lt"/>
-                <a:ea typeface="+mn-ea"/>
-                <a:cs typeface="+mn-cs"/>
-              </a:defRPr>
-            </a:lvl7pPr>
-            <a:lvl8pPr marL="3200400" algn="l" defTabSz="914400" rtl="0" eaLnBrk="1" latinLnBrk="0" hangingPunct="1">
-              <a:defRPr sz="1800" kern="1200">
-                <a:solidFill>
-                  <a:schemeClr val="lt1"/>
-                </a:solidFill>
-                <a:latin typeface="+mn-lt"/>
-                <a:ea typeface="+mn-ea"/>
-                <a:cs typeface="+mn-cs"/>
-              </a:defRPr>
-            </a:lvl8pPr>
-            <a:lvl9pPr marL="3657600" algn="l" defTabSz="914400" rtl="0" eaLnBrk="1" latinLnBrk="0" hangingPunct="1">
-              <a:defRPr sz="1800" kern="1200">
-                <a:solidFill>
-                  <a:schemeClr val="lt1"/>
-                </a:solidFill>
-                <a:latin typeface="+mn-lt"/>
-                <a:ea typeface="+mn-ea"/>
-                <a:cs typeface="+mn-cs"/>
-              </a:defRPr>
-            </a:lvl9pPr>
-          </a:lstStyle>
-          <a:p>
-            <a:pPr marL="0" marR="0" lvl="0" indent="0" algn="ctr" defTabSz="914400" rtl="0" eaLnBrk="1" fontAlgn="auto" latinLnBrk="0" hangingPunct="1">
-              <a:lnSpc>
-                <a:spcPct val="100000"/>
-              </a:lnSpc>
-              <a:spcBef>
-                <a:spcPts val="0"/>
-              </a:spcBef>
-              <a:spcAft>
-                <a:spcPts val="0"/>
-              </a:spcAft>
-              <a:buClrTx/>
-              <a:buSzTx/>
-              <a:buFontTx/>
-              <a:buNone/>
-              <a:tabLst/>
-              <a:defRPr/>
-            </a:pPr>
-            <a:endParaRPr kumimoji="0" lang="fr-FR" sz="1800" b="0" i="0" u="none" strike="noStrike" kern="1200" cap="none" spc="0" normalizeH="0" baseline="0" noProof="0">
-              <a:ln>
-                <a:noFill/>
-              </a:ln>
-              <a:solidFill>
-                <a:srgbClr val="008B6C"/>
-              </a:solidFill>
-              <a:effectLst/>
-              <a:uLnTx/>
-              <a:uFillTx/>
-              <a:latin typeface="Calibri" panose="020F0502020204030204"/>
-              <a:ea typeface="+mn-ea"/>
-              <a:cs typeface="+mn-cs"/>
-            </a:endParaRPr>
-          </a:p>
-        </p:txBody>
-      </p:sp>
-      <p:sp>
-        <p:nvSpPr>
-          <p:cNvPr id="7" name="Rectangle 6">
-            <a:extLst>
-              <a:ext uri="{FF2B5EF4-FFF2-40B4-BE49-F238E27FC236}">
-                <a16:creationId xmlns:a16="http://schemas.microsoft.com/office/drawing/2014/main" id="{9F668D4F-D726-4A2E-9D0E-4E21281A16CF}"/>
-              </a:ext>
-            </a:extLst>
-          </p:cNvPr>
-          <p:cNvSpPr/>
-          <p:nvPr/>
-        </p:nvSpPr>
-        <p:spPr>
-          <a:xfrm>
-            <a:off x="821317" y="215137"/>
-            <a:ext cx="9959841" cy="586786"/>
-          </a:xfrm>
-          <a:prstGeom prst="rect">
-            <a:avLst/>
-          </a:prstGeom>
-          <a:noFill/>
-          <a:ln cmpd="sng">
-            <a:solidFill>
-              <a:schemeClr val="accent2">
-                <a:lumMod val="75000"/>
-              </a:schemeClr>
-            </a:solidFill>
-            <a:prstDash val="sysDot"/>
-          </a:ln>
-        </p:spPr>
-        <p:style>
-          <a:lnRef idx="2">
-            <a:schemeClr val="accent1">
-              <a:shade val="50000"/>
-            </a:schemeClr>
-          </a:lnRef>
-          <a:fillRef idx="1">
-            <a:schemeClr val="accent1"/>
-          </a:fillRef>
-          <a:effectRef idx="0">
-            <a:schemeClr val="accent1"/>
-          </a:effectRef>
-          <a:fontRef idx="minor">
-            <a:schemeClr val="lt1"/>
-          </a:fontRef>
-        </p:style>
-        <p:txBody>
-          <a:bodyPr rtlCol="0" anchor="ctr"/>
-          <a:lstStyle>
-            <a:defPPr>
-              <a:defRPr lang="fr-FR"/>
-            </a:defPPr>
-            <a:lvl1pPr marL="0" algn="l" defTabSz="914400" rtl="0" eaLnBrk="1" latinLnBrk="0" hangingPunct="1">
-              <a:defRPr sz="1800" kern="1200">
-                <a:solidFill>
-                  <a:schemeClr val="lt1"/>
-                </a:solidFill>
-                <a:latin typeface="+mn-lt"/>
-                <a:ea typeface="+mn-ea"/>
-                <a:cs typeface="+mn-cs"/>
-              </a:defRPr>
-            </a:lvl1pPr>
-            <a:lvl2pPr marL="457200" algn="l" defTabSz="914400" rtl="0" eaLnBrk="1" latinLnBrk="0" hangingPunct="1">
-              <a:defRPr sz="1800" kern="1200">
-                <a:solidFill>
-                  <a:schemeClr val="lt1"/>
-                </a:solidFill>
-                <a:latin typeface="+mn-lt"/>
-                <a:ea typeface="+mn-ea"/>
-                <a:cs typeface="+mn-cs"/>
-              </a:defRPr>
-            </a:lvl2pPr>
-            <a:lvl3pPr marL="914400" algn="l" defTabSz="914400" rtl="0" eaLnBrk="1" latinLnBrk="0" hangingPunct="1">
-              <a:defRPr sz="1800" kern="1200">
-                <a:solidFill>
-                  <a:schemeClr val="lt1"/>
-                </a:solidFill>
-                <a:latin typeface="+mn-lt"/>
-                <a:ea typeface="+mn-ea"/>
-                <a:cs typeface="+mn-cs"/>
-              </a:defRPr>
-            </a:lvl3pPr>
-            <a:lvl4pPr marL="1371600" algn="l" defTabSz="914400" rtl="0" eaLnBrk="1" latinLnBrk="0" hangingPunct="1">
-              <a:defRPr sz="1800" kern="1200">
-                <a:solidFill>
-                  <a:schemeClr val="lt1"/>
-                </a:solidFill>
-                <a:latin typeface="+mn-lt"/>
-                <a:ea typeface="+mn-ea"/>
-                <a:cs typeface="+mn-cs"/>
-              </a:defRPr>
-            </a:lvl4pPr>
-            <a:lvl5pPr marL="1828800" algn="l" defTabSz="914400" rtl="0" eaLnBrk="1" latinLnBrk="0" hangingPunct="1">
-              <a:defRPr sz="1800" kern="1200">
-                <a:solidFill>
-                  <a:schemeClr val="lt1"/>
-                </a:solidFill>
-                <a:latin typeface="+mn-lt"/>
-                <a:ea typeface="+mn-ea"/>
-                <a:cs typeface="+mn-cs"/>
-              </a:defRPr>
-            </a:lvl5pPr>
-            <a:lvl6pPr marL="2286000" algn="l" defTabSz="914400" rtl="0" eaLnBrk="1" latinLnBrk="0" hangingPunct="1">
-              <a:defRPr sz="1800" kern="1200">
-                <a:solidFill>
-                  <a:schemeClr val="lt1"/>
-                </a:solidFill>
-                <a:latin typeface="+mn-lt"/>
-                <a:ea typeface="+mn-ea"/>
-                <a:cs typeface="+mn-cs"/>
-              </a:defRPr>
-            </a:lvl6pPr>
-            <a:lvl7pPr marL="2743200" algn="l" defTabSz="914400" rtl="0" eaLnBrk="1" latinLnBrk="0" hangingPunct="1">
-              <a:defRPr sz="1800" kern="1200">
-                <a:solidFill>
-                  <a:schemeClr val="lt1"/>
-                </a:solidFill>
-                <a:latin typeface="+mn-lt"/>
-                <a:ea typeface="+mn-ea"/>
-                <a:cs typeface="+mn-cs"/>
-              </a:defRPr>
-            </a:lvl7pPr>
-            <a:lvl8pPr marL="3200400" algn="l" defTabSz="914400" rtl="0" eaLnBrk="1" latinLnBrk="0" hangingPunct="1">
-              <a:defRPr sz="1800" kern="1200">
-                <a:solidFill>
-                  <a:schemeClr val="lt1"/>
-                </a:solidFill>
-                <a:latin typeface="+mn-lt"/>
-                <a:ea typeface="+mn-ea"/>
-                <a:cs typeface="+mn-cs"/>
-              </a:defRPr>
-            </a:lvl8pPr>
-            <a:lvl9pPr marL="3657600" algn="l" defTabSz="914400" rtl="0" eaLnBrk="1" latinLnBrk="0" hangingPunct="1">
-              <a:defRPr sz="1800" kern="1200">
-                <a:solidFill>
-                  <a:schemeClr val="lt1"/>
-                </a:solidFill>
-                <a:latin typeface="+mn-lt"/>
-                <a:ea typeface="+mn-ea"/>
-                <a:cs typeface="+mn-cs"/>
-              </a:defRPr>
-            </a:lvl9pPr>
-          </a:lstStyle>
-          <a:p>
-            <a:pPr marL="0" marR="0" lvl="0" indent="0" algn="ctr" defTabSz="914400" rtl="0" eaLnBrk="1" fontAlgn="auto" latinLnBrk="0" hangingPunct="1">
-              <a:lnSpc>
-                <a:spcPct val="100000"/>
-              </a:lnSpc>
-              <a:spcBef>
-                <a:spcPts val="0"/>
-              </a:spcBef>
-              <a:spcAft>
-                <a:spcPts val="0"/>
-              </a:spcAft>
-              <a:buClrTx/>
-              <a:buSzTx/>
-              <a:buFontTx/>
-              <a:buNone/>
-              <a:tabLst/>
-              <a:defRPr/>
-            </a:pPr>
-            <a:endParaRPr kumimoji="0" lang="fr-FR" sz="1800" b="0" i="0" u="none" strike="noStrike" kern="1200" cap="none" spc="0" normalizeH="0" baseline="0" noProof="0">
-              <a:ln>
-                <a:noFill/>
-              </a:ln>
-              <a:solidFill>
-                <a:srgbClr val="008B6C"/>
-              </a:solidFill>
-              <a:effectLst/>
-              <a:uLnTx/>
-              <a:uFillTx/>
-              <a:latin typeface="Calibri" panose="020F0502020204030204"/>
-              <a:ea typeface="+mn-ea"/>
-              <a:cs typeface="+mn-cs"/>
-            </a:endParaRPr>
-          </a:p>
-        </p:txBody>
-      </p:sp>
-      <p:sp>
-        <p:nvSpPr>
-          <p:cNvPr id="8" name="ZoneTexte 7">
-            <a:extLst>
-              <a:ext uri="{FF2B5EF4-FFF2-40B4-BE49-F238E27FC236}">
-                <a16:creationId xmlns:a16="http://schemas.microsoft.com/office/drawing/2014/main" id="{4A3D7463-DE59-4936-903B-9D27B4320E51}"/>
-              </a:ext>
-            </a:extLst>
-          </p:cNvPr>
-          <p:cNvSpPr txBox="1"/>
-          <p:nvPr/>
-        </p:nvSpPr>
-        <p:spPr>
-          <a:xfrm>
-            <a:off x="963679" y="292937"/>
-            <a:ext cx="9718922" cy="400110"/>
-          </a:xfrm>
-          <a:prstGeom prst="rect">
-            <a:avLst/>
-          </a:prstGeom>
-          <a:noFill/>
-        </p:spPr>
-        <p:txBody>
-          <a:bodyPr wrap="square" rtlCol="0">
-            <a:spAutoFit/>
-          </a:bodyPr>
-          <a:lstStyle/>
-          <a:p>
-            <a:pPr algn="r"/>
-            <a:r>
-              <a:rPr lang="fr-FR" sz="2000" b="1" dirty="0">
-                <a:solidFill>
-                  <a:schemeClr val="accent2">
-                    <a:lumMod val="75000"/>
-                  </a:schemeClr>
-                </a:solidFill>
-              </a:rPr>
-              <a:t>Conclusions</a:t>
-            </a:r>
-          </a:p>
-        </p:txBody>
-      </p:sp>
-      <p:sp>
-        <p:nvSpPr>
-          <p:cNvPr id="26" name="Rectangle 25">
-            <a:extLst>
-              <a:ext uri="{FF2B5EF4-FFF2-40B4-BE49-F238E27FC236}">
-                <a16:creationId xmlns:a16="http://schemas.microsoft.com/office/drawing/2014/main" id="{628EC668-0ECE-448F-A142-D0EE9F1A1BF5}"/>
-              </a:ext>
-            </a:extLst>
-          </p:cNvPr>
-          <p:cNvSpPr/>
-          <p:nvPr/>
-        </p:nvSpPr>
-        <p:spPr>
-          <a:xfrm>
-            <a:off x="1109931" y="1332776"/>
-            <a:ext cx="9397043" cy="4942089"/>
-          </a:xfrm>
-          <a:prstGeom prst="rect">
-            <a:avLst/>
-          </a:prstGeom>
-          <a:solidFill>
-            <a:schemeClr val="bg2"/>
-          </a:solidFill>
-          <a:ln>
-            <a:solidFill>
-              <a:schemeClr val="bg2">
-                <a:lumMod val="90000"/>
-              </a:schemeClr>
-            </a:solidFill>
-          </a:ln>
-          <a:effectLst>
-            <a:outerShdw blurRad="50800" dist="38100" dir="5400000" algn="t" rotWithShape="0">
-              <a:prstClr val="black">
-                <a:alpha val="40000"/>
-              </a:prstClr>
-            </a:outerShdw>
-          </a:effectLst>
-        </p:spPr>
-        <p:style>
-          <a:lnRef idx="2">
-            <a:schemeClr val="accent1">
-              <a:shade val="50000"/>
-            </a:schemeClr>
-          </a:lnRef>
-          <a:fillRef idx="1">
-            <a:schemeClr val="accent1"/>
-          </a:fillRef>
-          <a:effectRef idx="0">
-            <a:schemeClr val="accent1"/>
-          </a:effectRef>
-          <a:fontRef idx="minor">
-            <a:schemeClr val="lt1"/>
-          </a:fontRef>
-        </p:style>
-        <p:txBody>
-          <a:bodyPr rtlCol="0" anchor="ctr"/>
-          <a:lstStyle/>
-          <a:p>
-            <a:pPr algn="ctr"/>
-            <a:endParaRPr lang="fr-FR"/>
-          </a:p>
-        </p:txBody>
-      </p:sp>
-      <p:sp>
-        <p:nvSpPr>
-          <p:cNvPr id="2" name="ZoneTexte 1">
-            <a:extLst>
-              <a:ext uri="{FF2B5EF4-FFF2-40B4-BE49-F238E27FC236}">
-                <a16:creationId xmlns:a16="http://schemas.microsoft.com/office/drawing/2014/main" id="{7E1EDCA3-ED61-4B1B-8E44-2882D5770563}"/>
-              </a:ext>
-            </a:extLst>
-          </p:cNvPr>
-          <p:cNvSpPr txBox="1"/>
-          <p:nvPr/>
-        </p:nvSpPr>
-        <p:spPr>
-          <a:xfrm>
-            <a:off x="1410842" y="1467270"/>
             <a:ext cx="9011728" cy="3939540"/>
           </a:xfrm>
           <a:prstGeom prst="rect">
@@ -8610,7 +7778,7 @@
 </p:sld>
 </file>
 
-<file path=ppt/slides/slide2.xml><?xml version="1.0" encoding="utf-8"?>
+<file path=ppt/slides/slide14.xml><?xml version="1.0" encoding="utf-8"?>
 <p:sld xmlns:a="http://schemas.openxmlformats.org/drawingml/2006/main" xmlns:r="http://schemas.openxmlformats.org/officeDocument/2006/relationships" xmlns:p="http://schemas.openxmlformats.org/presentationml/2006/main">
   <p:cSld>
     <p:bg>
@@ -8660,66 +7828,157 @@
           <a:lstStyle/>
           <a:p>
             <a:r>
-              <a:rPr lang="en-CA" sz="4800" b="1" dirty="0">
+              <a:rPr lang="en-CA" sz="4000" b="1" dirty="0">
                 <a:latin typeface="Arial" panose="020B0604020202020204" pitchFamily="34" charset="0"/>
                 <a:cs typeface="Arial" panose="020B0604020202020204" pitchFamily="34" charset="0"/>
               </a:rPr>
               <a:t>Avec le support des </a:t>
             </a:r>
             <a:r>
-              <a:rPr lang="en-CA" sz="4800" b="1" dirty="0" err="1">
+              <a:rPr lang="en-CA" sz="4000" b="1" dirty="0" err="1">
                 <a:latin typeface="Arial" panose="020B0604020202020204" pitchFamily="34" charset="0"/>
                 <a:cs typeface="Arial" panose="020B0604020202020204" pitchFamily="34" charset="0"/>
               </a:rPr>
               <a:t>communautés</a:t>
             </a:r>
             <a:r>
-              <a:rPr lang="en-CA" sz="4800" b="1" dirty="0">
+              <a:rPr lang="en-CA" sz="4000" b="1" dirty="0">
                 <a:latin typeface="Arial" panose="020B0604020202020204" pitchFamily="34" charset="0"/>
                 <a:cs typeface="Arial" panose="020B0604020202020204" pitchFamily="34" charset="0"/>
               </a:rPr>
               <a:t> francophones AZUG FR, MUG </a:t>
             </a:r>
             <a:r>
-              <a:rPr lang="en-CA" sz="4800" b="1" dirty="0" err="1">
+              <a:rPr lang="en-CA" sz="4000" b="1" dirty="0" err="1">
                 <a:latin typeface="Arial" panose="020B0604020202020204" pitchFamily="34" charset="0"/>
                 <a:cs typeface="Arial" panose="020B0604020202020204" pitchFamily="34" charset="0"/>
               </a:rPr>
               <a:t>Wallonie</a:t>
             </a:r>
             <a:r>
-              <a:rPr lang="en-CA" sz="4800" b="1" dirty="0">
+              <a:rPr lang="en-CA" sz="4000" b="1" dirty="0">
                 <a:latin typeface="Arial" panose="020B0604020202020204" pitchFamily="34" charset="0"/>
                 <a:cs typeface="Arial" panose="020B0604020202020204" pitchFamily="34" charset="0"/>
               </a:rPr>
               <a:t> (Belgique), MUG Lyon, </a:t>
             </a:r>
             <a:br>
-              <a:rPr lang="en-CA" sz="4800" b="1" dirty="0">
+              <a:rPr lang="en-CA" sz="4000" b="1" dirty="0">
                 <a:latin typeface="Arial" panose="020B0604020202020204" pitchFamily="34" charset="0"/>
                 <a:cs typeface="Arial" panose="020B0604020202020204" pitchFamily="34" charset="0"/>
               </a:rPr>
             </a:br>
             <a:r>
-              <a:rPr lang="en-CA" sz="4800" b="1" dirty="0">
+              <a:rPr lang="en-CA" sz="4000" b="1" dirty="0">
                 <a:latin typeface="Arial" panose="020B0604020202020204" pitchFamily="34" charset="0"/>
                 <a:cs typeface="Arial" panose="020B0604020202020204" pitchFamily="34" charset="0"/>
               </a:rPr>
               <a:t>MUG Rennes, </a:t>
             </a:r>
             <a:br>
-              <a:rPr lang="en-CA" sz="4800" b="1" dirty="0">
+              <a:rPr lang="en-CA" sz="4000" b="1" dirty="0">
                 <a:latin typeface="Arial" panose="020B0604020202020204" pitchFamily="34" charset="0"/>
                 <a:cs typeface="Arial" panose="020B0604020202020204" pitchFamily="34" charset="0"/>
               </a:rPr>
             </a:br>
             <a:r>
-              <a:rPr lang="en-CA" sz="4800" b="1" dirty="0">
+              <a:rPr lang="en-CA" sz="4000" b="1" dirty="0">
                 <a:latin typeface="Arial" panose="020B0604020202020204" pitchFamily="34" charset="0"/>
                 <a:cs typeface="Arial" panose="020B0604020202020204" pitchFamily="34" charset="0"/>
               </a:rPr>
               <a:t>MUG Strasbourg, et CMD</a:t>
             </a:r>
+            <a:br>
+              <a:rPr lang="en-CA" sz="4000" b="1" dirty="0">
+                <a:latin typeface="Arial" panose="020B0604020202020204" pitchFamily="34" charset="0"/>
+                <a:cs typeface="Arial" panose="020B0604020202020204" pitchFamily="34" charset="0"/>
+              </a:rPr>
+            </a:br>
+            <a:br>
+              <a:rPr lang="en-CA" sz="4000" b="1" dirty="0">
+                <a:latin typeface="Arial" panose="020B0604020202020204" pitchFamily="34" charset="0"/>
+                <a:cs typeface="Arial" panose="020B0604020202020204" pitchFamily="34" charset="0"/>
+              </a:rPr>
+            </a:br>
+            <a:r>
+              <a:rPr lang="en-CA" sz="4000" b="1" dirty="0">
+                <a:latin typeface="Arial" panose="020B0604020202020204" pitchFamily="34" charset="0"/>
+                <a:cs typeface="Arial" panose="020B0604020202020204" pitchFamily="34" charset="0"/>
+              </a:rPr>
+              <a:t>Microsoft France</a:t>
+            </a:r>
+            <a:br>
+              <a:rPr lang="en-CA" sz="4000" b="1" dirty="0">
+                <a:latin typeface="Arial" panose="020B0604020202020204" pitchFamily="34" charset="0"/>
+                <a:cs typeface="Arial" panose="020B0604020202020204" pitchFamily="34" charset="0"/>
+              </a:rPr>
+            </a:br>
+            <a:br>
+              <a:rPr lang="en-CA" sz="4000" b="1" dirty="0">
+                <a:latin typeface="Arial" panose="020B0604020202020204" pitchFamily="34" charset="0"/>
+                <a:cs typeface="Arial" panose="020B0604020202020204" pitchFamily="34" charset="0"/>
+              </a:rPr>
+            </a:br>
+            <a:r>
+              <a:rPr lang="en-CA" sz="4000" b="1" dirty="0">
+                <a:latin typeface="Arial" panose="020B0604020202020204" pitchFamily="34" charset="0"/>
+                <a:cs typeface="Arial" panose="020B0604020202020204" pitchFamily="34" charset="0"/>
+              </a:rPr>
+              <a:t>Sans </a:t>
+            </a:r>
+            <a:r>
+              <a:rPr lang="en-CA" sz="4000" b="1" dirty="0" err="1">
+                <a:latin typeface="Arial" panose="020B0604020202020204" pitchFamily="34" charset="0"/>
+                <a:cs typeface="Arial" panose="020B0604020202020204" pitchFamily="34" charset="0"/>
+              </a:rPr>
+              <a:t>oublier</a:t>
+            </a:r>
+            <a:r>
+              <a:rPr lang="en-CA" sz="4000" b="1" dirty="0">
+                <a:latin typeface="Arial" panose="020B0604020202020204" pitchFamily="34" charset="0"/>
+                <a:cs typeface="Arial" panose="020B0604020202020204" pitchFamily="34" charset="0"/>
+              </a:rPr>
+              <a:t> </a:t>
+            </a:r>
+            <a:r>
+              <a:rPr lang="en-CA" sz="4000" b="1" dirty="0" err="1">
+                <a:latin typeface="Arial" panose="020B0604020202020204" pitchFamily="34" charset="0"/>
+                <a:cs typeface="Arial" panose="020B0604020202020204" pitchFamily="34" charset="0"/>
+              </a:rPr>
+              <a:t>toute</a:t>
+            </a:r>
+            <a:r>
+              <a:rPr lang="en-CA" sz="4000" b="1" dirty="0">
+                <a:latin typeface="Arial" panose="020B0604020202020204" pitchFamily="34" charset="0"/>
+                <a:cs typeface="Arial" panose="020B0604020202020204" pitchFamily="34" charset="0"/>
+              </a:rPr>
+              <a:t> la </a:t>
+            </a:r>
+            <a:r>
+              <a:rPr lang="en-CA" sz="4000" b="1" dirty="0" err="1">
+                <a:latin typeface="Arial" panose="020B0604020202020204" pitchFamily="34" charset="0"/>
+                <a:cs typeface="Arial" panose="020B0604020202020204" pitchFamily="34" charset="0"/>
+              </a:rPr>
+              <a:t>régie</a:t>
+            </a:r>
+            <a:r>
+              <a:rPr lang="en-CA" sz="4000" b="1" dirty="0">
+                <a:latin typeface="Arial" panose="020B0604020202020204" pitchFamily="34" charset="0"/>
+                <a:cs typeface="Arial" panose="020B0604020202020204" pitchFamily="34" charset="0"/>
+              </a:rPr>
+              <a:t> et les </a:t>
+            </a:r>
+            <a:r>
+              <a:rPr lang="en-CA" sz="4000" b="1" dirty="0" err="1">
+                <a:latin typeface="Arial" panose="020B0604020202020204" pitchFamily="34" charset="0"/>
+                <a:cs typeface="Arial" panose="020B0604020202020204" pitchFamily="34" charset="0"/>
+              </a:rPr>
+              <a:t>organisateurs</a:t>
+            </a:r>
+            <a:endParaRPr lang="en-CA" sz="4000" b="1" dirty="0">
+              <a:latin typeface="Arial" panose="020B0604020202020204" pitchFamily="34" charset="0"/>
+              <a:cs typeface="Arial" panose="020B0604020202020204" pitchFamily="34" charset="0"/>
+            </a:endParaRPr>
           </a:p>
         </p:txBody>
       </p:sp>
@@ -8783,7 +8042,7 @@
 </p:sld>
 </file>
 
-<file path=ppt/slides/slide3.xml><?xml version="1.0" encoding="utf-8"?>
+<file path=ppt/slides/slide2.xml><?xml version="1.0" encoding="utf-8"?>
 <p:sld xmlns:a="http://schemas.openxmlformats.org/drawingml/2006/main" xmlns:r="http://schemas.openxmlformats.org/officeDocument/2006/relationships" xmlns:p="http://schemas.openxmlformats.org/presentationml/2006/main">
   <p:cSld>
     <p:bg>
@@ -8942,713 +8201,7 @@
 </p:sld>
 </file>
 
-<file path=ppt/slides/slide4.xml><?xml version="1.0" encoding="utf-8"?>
-<p:sld xmlns:a="http://schemas.openxmlformats.org/drawingml/2006/main" xmlns:r="http://schemas.openxmlformats.org/officeDocument/2006/relationships" xmlns:p="http://schemas.openxmlformats.org/presentationml/2006/main">
-  <p:cSld>
-    <p:spTree>
-      <p:nvGrpSpPr>
-        <p:cNvPr id="1" name=""/>
-        <p:cNvGrpSpPr/>
-        <p:nvPr/>
-      </p:nvGrpSpPr>
-      <p:grpSpPr>
-        <a:xfrm>
-          <a:off x="0" y="0"/>
-          <a:ext cx="0" cy="0"/>
-          <a:chOff x="0" y="0"/>
-          <a:chExt cx="0" cy="0"/>
-        </a:xfrm>
-      </p:grpSpPr>
-      <p:sp>
-        <p:nvSpPr>
-          <p:cNvPr id="3" name="Content Placeholder 2"/>
-          <p:cNvSpPr>
-            <a:spLocks noGrp="1"/>
-          </p:cNvSpPr>
-          <p:nvPr>
-            <p:ph idx="1"/>
-          </p:nvPr>
-        </p:nvSpPr>
-        <p:spPr>
-          <a:xfrm>
-            <a:off x="347471" y="919876"/>
-            <a:ext cx="10433687" cy="5354989"/>
-          </a:xfrm>
-        </p:spPr>
-        <p:txBody>
-          <a:bodyPr/>
-          <a:lstStyle/>
-          <a:p>
-            <a:pPr lvl="1"/>
-            <a:endParaRPr lang="en-CA" dirty="0"/>
-          </a:p>
-          <a:p>
-            <a:pPr lvl="1"/>
-            <a:endParaRPr lang="en-CA" dirty="0"/>
-          </a:p>
-        </p:txBody>
-      </p:sp>
-      <p:sp>
-        <p:nvSpPr>
-          <p:cNvPr id="6" name="Rectangle 5">
-            <a:extLst>
-              <a:ext uri="{FF2B5EF4-FFF2-40B4-BE49-F238E27FC236}">
-                <a16:creationId xmlns:a16="http://schemas.microsoft.com/office/drawing/2014/main" id="{C2C67334-4716-4404-AACA-820908652F89}"/>
-              </a:ext>
-            </a:extLst>
-          </p:cNvPr>
-          <p:cNvSpPr/>
-          <p:nvPr/>
-        </p:nvSpPr>
-        <p:spPr>
-          <a:xfrm>
-            <a:off x="821317" y="1002007"/>
-            <a:ext cx="9959841" cy="5563056"/>
-          </a:xfrm>
-          <a:prstGeom prst="rect">
-            <a:avLst/>
-          </a:prstGeom>
-          <a:noFill/>
-          <a:ln cmpd="sng">
-            <a:solidFill>
-              <a:schemeClr val="accent2"/>
-            </a:solidFill>
-            <a:prstDash val="sysDot"/>
-          </a:ln>
-        </p:spPr>
-        <p:style>
-          <a:lnRef idx="2">
-            <a:schemeClr val="accent1">
-              <a:shade val="50000"/>
-            </a:schemeClr>
-          </a:lnRef>
-          <a:fillRef idx="1">
-            <a:schemeClr val="accent1"/>
-          </a:fillRef>
-          <a:effectRef idx="0">
-            <a:schemeClr val="accent1"/>
-          </a:effectRef>
-          <a:fontRef idx="minor">
-            <a:schemeClr val="lt1"/>
-          </a:fontRef>
-        </p:style>
-        <p:txBody>
-          <a:bodyPr rtlCol="0" anchor="ctr"/>
-          <a:lstStyle>
-            <a:defPPr>
-              <a:defRPr lang="fr-FR"/>
-            </a:defPPr>
-            <a:lvl1pPr marL="0" algn="l" defTabSz="914400" rtl="0" eaLnBrk="1" latinLnBrk="0" hangingPunct="1">
-              <a:defRPr sz="1800" kern="1200">
-                <a:solidFill>
-                  <a:schemeClr val="lt1"/>
-                </a:solidFill>
-                <a:latin typeface="+mn-lt"/>
-                <a:ea typeface="+mn-ea"/>
-                <a:cs typeface="+mn-cs"/>
-              </a:defRPr>
-            </a:lvl1pPr>
-            <a:lvl2pPr marL="457200" algn="l" defTabSz="914400" rtl="0" eaLnBrk="1" latinLnBrk="0" hangingPunct="1">
-              <a:defRPr sz="1800" kern="1200">
-                <a:solidFill>
-                  <a:schemeClr val="lt1"/>
-                </a:solidFill>
-                <a:latin typeface="+mn-lt"/>
-                <a:ea typeface="+mn-ea"/>
-                <a:cs typeface="+mn-cs"/>
-              </a:defRPr>
-            </a:lvl2pPr>
-            <a:lvl3pPr marL="914400" algn="l" defTabSz="914400" rtl="0" eaLnBrk="1" latinLnBrk="0" hangingPunct="1">
-              <a:defRPr sz="1800" kern="1200">
-                <a:solidFill>
-                  <a:schemeClr val="lt1"/>
-                </a:solidFill>
-                <a:latin typeface="+mn-lt"/>
-                <a:ea typeface="+mn-ea"/>
-                <a:cs typeface="+mn-cs"/>
-              </a:defRPr>
-            </a:lvl3pPr>
-            <a:lvl4pPr marL="1371600" algn="l" defTabSz="914400" rtl="0" eaLnBrk="1" latinLnBrk="0" hangingPunct="1">
-              <a:defRPr sz="1800" kern="1200">
-                <a:solidFill>
-                  <a:schemeClr val="lt1"/>
-                </a:solidFill>
-                <a:latin typeface="+mn-lt"/>
-                <a:ea typeface="+mn-ea"/>
-                <a:cs typeface="+mn-cs"/>
-              </a:defRPr>
-            </a:lvl4pPr>
-            <a:lvl5pPr marL="1828800" algn="l" defTabSz="914400" rtl="0" eaLnBrk="1" latinLnBrk="0" hangingPunct="1">
-              <a:defRPr sz="1800" kern="1200">
-                <a:solidFill>
-                  <a:schemeClr val="lt1"/>
-                </a:solidFill>
-                <a:latin typeface="+mn-lt"/>
-                <a:ea typeface="+mn-ea"/>
-                <a:cs typeface="+mn-cs"/>
-              </a:defRPr>
-            </a:lvl5pPr>
-            <a:lvl6pPr marL="2286000" algn="l" defTabSz="914400" rtl="0" eaLnBrk="1" latinLnBrk="0" hangingPunct="1">
-              <a:defRPr sz="1800" kern="1200">
-                <a:solidFill>
-                  <a:schemeClr val="lt1"/>
-                </a:solidFill>
-                <a:latin typeface="+mn-lt"/>
-                <a:ea typeface="+mn-ea"/>
-                <a:cs typeface="+mn-cs"/>
-              </a:defRPr>
-            </a:lvl6pPr>
-            <a:lvl7pPr marL="2743200" algn="l" defTabSz="914400" rtl="0" eaLnBrk="1" latinLnBrk="0" hangingPunct="1">
-              <a:defRPr sz="1800" kern="1200">
-                <a:solidFill>
-                  <a:schemeClr val="lt1"/>
-                </a:solidFill>
-                <a:latin typeface="+mn-lt"/>
-                <a:ea typeface="+mn-ea"/>
-                <a:cs typeface="+mn-cs"/>
-              </a:defRPr>
-            </a:lvl7pPr>
-            <a:lvl8pPr marL="3200400" algn="l" defTabSz="914400" rtl="0" eaLnBrk="1" latinLnBrk="0" hangingPunct="1">
-              <a:defRPr sz="1800" kern="1200">
-                <a:solidFill>
-                  <a:schemeClr val="lt1"/>
-                </a:solidFill>
-                <a:latin typeface="+mn-lt"/>
-                <a:ea typeface="+mn-ea"/>
-                <a:cs typeface="+mn-cs"/>
-              </a:defRPr>
-            </a:lvl8pPr>
-            <a:lvl9pPr marL="3657600" algn="l" defTabSz="914400" rtl="0" eaLnBrk="1" latinLnBrk="0" hangingPunct="1">
-              <a:defRPr sz="1800" kern="1200">
-                <a:solidFill>
-                  <a:schemeClr val="lt1"/>
-                </a:solidFill>
-                <a:latin typeface="+mn-lt"/>
-                <a:ea typeface="+mn-ea"/>
-                <a:cs typeface="+mn-cs"/>
-              </a:defRPr>
-            </a:lvl9pPr>
-          </a:lstStyle>
-          <a:p>
-            <a:pPr marL="0" marR="0" lvl="0" indent="0" algn="ctr" defTabSz="914400" rtl="0" eaLnBrk="1" fontAlgn="auto" latinLnBrk="0" hangingPunct="1">
-              <a:lnSpc>
-                <a:spcPct val="100000"/>
-              </a:lnSpc>
-              <a:spcBef>
-                <a:spcPts val="0"/>
-              </a:spcBef>
-              <a:spcAft>
-                <a:spcPts val="0"/>
-              </a:spcAft>
-              <a:buClrTx/>
-              <a:buSzTx/>
-              <a:buFontTx/>
-              <a:buNone/>
-              <a:tabLst/>
-              <a:defRPr/>
-            </a:pPr>
-            <a:endParaRPr kumimoji="0" lang="fr-FR" sz="1800" b="0" i="0" u="none" strike="noStrike" kern="1200" cap="none" spc="0" normalizeH="0" baseline="0" noProof="0">
-              <a:ln>
-                <a:noFill/>
-              </a:ln>
-              <a:solidFill>
-                <a:srgbClr val="008B6C"/>
-              </a:solidFill>
-              <a:effectLst/>
-              <a:uLnTx/>
-              <a:uFillTx/>
-              <a:latin typeface="Calibri" panose="020F0502020204030204"/>
-              <a:ea typeface="+mn-ea"/>
-              <a:cs typeface="+mn-cs"/>
-            </a:endParaRPr>
-          </a:p>
-        </p:txBody>
-      </p:sp>
-      <p:sp>
-        <p:nvSpPr>
-          <p:cNvPr id="7" name="Rectangle 6">
-            <a:extLst>
-              <a:ext uri="{FF2B5EF4-FFF2-40B4-BE49-F238E27FC236}">
-                <a16:creationId xmlns:a16="http://schemas.microsoft.com/office/drawing/2014/main" id="{9F668D4F-D726-4A2E-9D0E-4E21281A16CF}"/>
-              </a:ext>
-            </a:extLst>
-          </p:cNvPr>
-          <p:cNvSpPr/>
-          <p:nvPr/>
-        </p:nvSpPr>
-        <p:spPr>
-          <a:xfrm>
-            <a:off x="821317" y="215137"/>
-            <a:ext cx="9959841" cy="586786"/>
-          </a:xfrm>
-          <a:prstGeom prst="rect">
-            <a:avLst/>
-          </a:prstGeom>
-          <a:noFill/>
-          <a:ln cmpd="sng">
-            <a:solidFill>
-              <a:schemeClr val="accent2">
-                <a:lumMod val="75000"/>
-              </a:schemeClr>
-            </a:solidFill>
-            <a:prstDash val="sysDot"/>
-          </a:ln>
-        </p:spPr>
-        <p:style>
-          <a:lnRef idx="2">
-            <a:schemeClr val="accent1">
-              <a:shade val="50000"/>
-            </a:schemeClr>
-          </a:lnRef>
-          <a:fillRef idx="1">
-            <a:schemeClr val="accent1"/>
-          </a:fillRef>
-          <a:effectRef idx="0">
-            <a:schemeClr val="accent1"/>
-          </a:effectRef>
-          <a:fontRef idx="minor">
-            <a:schemeClr val="lt1"/>
-          </a:fontRef>
-        </p:style>
-        <p:txBody>
-          <a:bodyPr rtlCol="0" anchor="ctr"/>
-          <a:lstStyle>
-            <a:defPPr>
-              <a:defRPr lang="fr-FR"/>
-            </a:defPPr>
-            <a:lvl1pPr marL="0" algn="l" defTabSz="914400" rtl="0" eaLnBrk="1" latinLnBrk="0" hangingPunct="1">
-              <a:defRPr sz="1800" kern="1200">
-                <a:solidFill>
-                  <a:schemeClr val="lt1"/>
-                </a:solidFill>
-                <a:latin typeface="+mn-lt"/>
-                <a:ea typeface="+mn-ea"/>
-                <a:cs typeface="+mn-cs"/>
-              </a:defRPr>
-            </a:lvl1pPr>
-            <a:lvl2pPr marL="457200" algn="l" defTabSz="914400" rtl="0" eaLnBrk="1" latinLnBrk="0" hangingPunct="1">
-              <a:defRPr sz="1800" kern="1200">
-                <a:solidFill>
-                  <a:schemeClr val="lt1"/>
-                </a:solidFill>
-                <a:latin typeface="+mn-lt"/>
-                <a:ea typeface="+mn-ea"/>
-                <a:cs typeface="+mn-cs"/>
-              </a:defRPr>
-            </a:lvl2pPr>
-            <a:lvl3pPr marL="914400" algn="l" defTabSz="914400" rtl="0" eaLnBrk="1" latinLnBrk="0" hangingPunct="1">
-              <a:defRPr sz="1800" kern="1200">
-                <a:solidFill>
-                  <a:schemeClr val="lt1"/>
-                </a:solidFill>
-                <a:latin typeface="+mn-lt"/>
-                <a:ea typeface="+mn-ea"/>
-                <a:cs typeface="+mn-cs"/>
-              </a:defRPr>
-            </a:lvl3pPr>
-            <a:lvl4pPr marL="1371600" algn="l" defTabSz="914400" rtl="0" eaLnBrk="1" latinLnBrk="0" hangingPunct="1">
-              <a:defRPr sz="1800" kern="1200">
-                <a:solidFill>
-                  <a:schemeClr val="lt1"/>
-                </a:solidFill>
-                <a:latin typeface="+mn-lt"/>
-                <a:ea typeface="+mn-ea"/>
-                <a:cs typeface="+mn-cs"/>
-              </a:defRPr>
-            </a:lvl4pPr>
-            <a:lvl5pPr marL="1828800" algn="l" defTabSz="914400" rtl="0" eaLnBrk="1" latinLnBrk="0" hangingPunct="1">
-              <a:defRPr sz="1800" kern="1200">
-                <a:solidFill>
-                  <a:schemeClr val="lt1"/>
-                </a:solidFill>
-                <a:latin typeface="+mn-lt"/>
-                <a:ea typeface="+mn-ea"/>
-                <a:cs typeface="+mn-cs"/>
-              </a:defRPr>
-            </a:lvl5pPr>
-            <a:lvl6pPr marL="2286000" algn="l" defTabSz="914400" rtl="0" eaLnBrk="1" latinLnBrk="0" hangingPunct="1">
-              <a:defRPr sz="1800" kern="1200">
-                <a:solidFill>
-                  <a:schemeClr val="lt1"/>
-                </a:solidFill>
-                <a:latin typeface="+mn-lt"/>
-                <a:ea typeface="+mn-ea"/>
-                <a:cs typeface="+mn-cs"/>
-              </a:defRPr>
-            </a:lvl6pPr>
-            <a:lvl7pPr marL="2743200" algn="l" defTabSz="914400" rtl="0" eaLnBrk="1" latinLnBrk="0" hangingPunct="1">
-              <a:defRPr sz="1800" kern="1200">
-                <a:solidFill>
-                  <a:schemeClr val="lt1"/>
-                </a:solidFill>
-                <a:latin typeface="+mn-lt"/>
-                <a:ea typeface="+mn-ea"/>
-                <a:cs typeface="+mn-cs"/>
-              </a:defRPr>
-            </a:lvl7pPr>
-            <a:lvl8pPr marL="3200400" algn="l" defTabSz="914400" rtl="0" eaLnBrk="1" latinLnBrk="0" hangingPunct="1">
-              <a:defRPr sz="1800" kern="1200">
-                <a:solidFill>
-                  <a:schemeClr val="lt1"/>
-                </a:solidFill>
-                <a:latin typeface="+mn-lt"/>
-                <a:ea typeface="+mn-ea"/>
-                <a:cs typeface="+mn-cs"/>
-              </a:defRPr>
-            </a:lvl8pPr>
-            <a:lvl9pPr marL="3657600" algn="l" defTabSz="914400" rtl="0" eaLnBrk="1" latinLnBrk="0" hangingPunct="1">
-              <a:defRPr sz="1800" kern="1200">
-                <a:solidFill>
-                  <a:schemeClr val="lt1"/>
-                </a:solidFill>
-                <a:latin typeface="+mn-lt"/>
-                <a:ea typeface="+mn-ea"/>
-                <a:cs typeface="+mn-cs"/>
-              </a:defRPr>
-            </a:lvl9pPr>
-          </a:lstStyle>
-          <a:p>
-            <a:pPr marL="0" marR="0" lvl="0" indent="0" algn="ctr" defTabSz="914400" rtl="0" eaLnBrk="1" fontAlgn="auto" latinLnBrk="0" hangingPunct="1">
-              <a:lnSpc>
-                <a:spcPct val="100000"/>
-              </a:lnSpc>
-              <a:spcBef>
-                <a:spcPts val="0"/>
-              </a:spcBef>
-              <a:spcAft>
-                <a:spcPts val="0"/>
-              </a:spcAft>
-              <a:buClrTx/>
-              <a:buSzTx/>
-              <a:buFontTx/>
-              <a:buNone/>
-              <a:tabLst/>
-              <a:defRPr/>
-            </a:pPr>
-            <a:endParaRPr kumimoji="0" lang="fr-FR" sz="1800" b="0" i="0" u="none" strike="noStrike" kern="1200" cap="none" spc="0" normalizeH="0" baseline="0" noProof="0">
-              <a:ln>
-                <a:noFill/>
-              </a:ln>
-              <a:solidFill>
-                <a:srgbClr val="008B6C"/>
-              </a:solidFill>
-              <a:effectLst/>
-              <a:uLnTx/>
-              <a:uFillTx/>
-              <a:latin typeface="Calibri" panose="020F0502020204030204"/>
-              <a:ea typeface="+mn-ea"/>
-              <a:cs typeface="+mn-cs"/>
-            </a:endParaRPr>
-          </a:p>
-        </p:txBody>
-      </p:sp>
-      <p:sp>
-        <p:nvSpPr>
-          <p:cNvPr id="8" name="ZoneTexte 7">
-            <a:extLst>
-              <a:ext uri="{FF2B5EF4-FFF2-40B4-BE49-F238E27FC236}">
-                <a16:creationId xmlns:a16="http://schemas.microsoft.com/office/drawing/2014/main" id="{4A3D7463-DE59-4936-903B-9D27B4320E51}"/>
-              </a:ext>
-            </a:extLst>
-          </p:cNvPr>
-          <p:cNvSpPr txBox="1"/>
-          <p:nvPr/>
-        </p:nvSpPr>
-        <p:spPr>
-          <a:xfrm>
-            <a:off x="963679" y="292937"/>
-            <a:ext cx="9718922" cy="400110"/>
-          </a:xfrm>
-          <a:prstGeom prst="rect">
-            <a:avLst/>
-          </a:prstGeom>
-          <a:noFill/>
-        </p:spPr>
-        <p:txBody>
-          <a:bodyPr wrap="square" rtlCol="0">
-            <a:spAutoFit/>
-          </a:bodyPr>
-          <a:lstStyle/>
-          <a:p>
-            <a:pPr algn="r"/>
-            <a:r>
-              <a:rPr lang="fr-FR" sz="2000" b="1">
-                <a:solidFill>
-                  <a:schemeClr val="accent2">
-                    <a:lumMod val="75000"/>
-                  </a:schemeClr>
-                </a:solidFill>
-              </a:rPr>
-              <a:t>Agenda</a:t>
-            </a:r>
-            <a:endParaRPr lang="fr-FR" b="1" dirty="0">
-              <a:solidFill>
-                <a:schemeClr val="accent2">
-                  <a:lumMod val="75000"/>
-                </a:schemeClr>
-              </a:solidFill>
-            </a:endParaRPr>
-          </a:p>
-        </p:txBody>
-      </p:sp>
-      <p:sp>
-        <p:nvSpPr>
-          <p:cNvPr id="9" name="Rectangle 8">
-            <a:extLst>
-              <a:ext uri="{FF2B5EF4-FFF2-40B4-BE49-F238E27FC236}">
-                <a16:creationId xmlns:a16="http://schemas.microsoft.com/office/drawing/2014/main" id="{68657407-CEB6-4CF7-8C21-0FB91F6826AB}"/>
-              </a:ext>
-            </a:extLst>
-          </p:cNvPr>
-          <p:cNvSpPr/>
-          <p:nvPr/>
-        </p:nvSpPr>
-        <p:spPr>
-          <a:xfrm>
-            <a:off x="1161690" y="1126325"/>
-            <a:ext cx="8931215" cy="4942089"/>
-          </a:xfrm>
-          <a:prstGeom prst="rect">
-            <a:avLst/>
-          </a:prstGeom>
-          <a:solidFill>
-            <a:schemeClr val="bg2"/>
-          </a:solidFill>
-          <a:ln>
-            <a:solidFill>
-              <a:schemeClr val="bg2">
-                <a:lumMod val="90000"/>
-              </a:schemeClr>
-            </a:solidFill>
-          </a:ln>
-          <a:effectLst>
-            <a:outerShdw blurRad="50800" dist="38100" dir="5400000" algn="t" rotWithShape="0">
-              <a:prstClr val="black">
-                <a:alpha val="40000"/>
-              </a:prstClr>
-            </a:outerShdw>
-          </a:effectLst>
-        </p:spPr>
-        <p:style>
-          <a:lnRef idx="2">
-            <a:schemeClr val="accent1">
-              <a:shade val="50000"/>
-            </a:schemeClr>
-          </a:lnRef>
-          <a:fillRef idx="1">
-            <a:schemeClr val="accent1"/>
-          </a:fillRef>
-          <a:effectRef idx="0">
-            <a:schemeClr val="accent1"/>
-          </a:effectRef>
-          <a:fontRef idx="minor">
-            <a:schemeClr val="lt1"/>
-          </a:fontRef>
-        </p:style>
-        <p:txBody>
-          <a:bodyPr rtlCol="0" anchor="ctr"/>
-          <a:lstStyle/>
-          <a:p>
-            <a:pPr algn="ctr"/>
-            <a:endParaRPr lang="fr-FR"/>
-          </a:p>
-        </p:txBody>
-      </p:sp>
-      <p:sp>
-        <p:nvSpPr>
-          <p:cNvPr id="2" name="ZoneTexte 1">
-            <a:extLst>
-              <a:ext uri="{FF2B5EF4-FFF2-40B4-BE49-F238E27FC236}">
-                <a16:creationId xmlns:a16="http://schemas.microsoft.com/office/drawing/2014/main" id="{C31D165F-2634-423F-8B38-3E2A62555AC3}"/>
-              </a:ext>
-            </a:extLst>
-          </p:cNvPr>
-          <p:cNvSpPr txBox="1"/>
-          <p:nvPr/>
-        </p:nvSpPr>
-        <p:spPr>
-          <a:xfrm>
-            <a:off x="1554615" y="1585682"/>
-            <a:ext cx="8325505" cy="2339102"/>
-          </a:xfrm>
-          <a:prstGeom prst="rect">
-            <a:avLst/>
-          </a:prstGeom>
-          <a:noFill/>
-        </p:spPr>
-        <p:txBody>
-          <a:bodyPr wrap="square" rtlCol="0">
-            <a:spAutoFit/>
-          </a:bodyPr>
-          <a:lstStyle/>
-          <a:p>
-            <a:pPr marL="285750" indent="-285750">
-              <a:buFont typeface="Wingdings" panose="05000000000000000000" pitchFamily="2" charset="2"/>
-              <a:buChar char="q"/>
-            </a:pPr>
-            <a:r>
-              <a:rPr lang="fr-FR" b="1" dirty="0">
-                <a:latin typeface="Arial" panose="020B0604020202020204" pitchFamily="34" charset="0"/>
-                <a:cs typeface="Arial" panose="020B0604020202020204" pitchFamily="34" charset="0"/>
-              </a:rPr>
-              <a:t>Les déploiements ARM</a:t>
-            </a:r>
-          </a:p>
-          <a:p>
-            <a:pPr marL="285750" indent="-285750">
-              <a:buFont typeface="Wingdings" panose="05000000000000000000" pitchFamily="2" charset="2"/>
-              <a:buChar char="q"/>
-            </a:pPr>
-            <a:r>
-              <a:rPr lang="fr-FR" b="1" dirty="0">
-                <a:latin typeface="Arial" panose="020B0604020202020204" pitchFamily="34" charset="0"/>
-                <a:cs typeface="Arial" panose="020B0604020202020204" pitchFamily="34" charset="0"/>
-              </a:rPr>
-              <a:t>Les possibilités de tests</a:t>
-            </a:r>
-          </a:p>
-          <a:p>
-            <a:pPr marL="285750" indent="-285750">
-              <a:buFont typeface="Wingdings" panose="05000000000000000000" pitchFamily="2" charset="2"/>
-              <a:buChar char="q"/>
-            </a:pPr>
-            <a:r>
-              <a:rPr lang="fr-FR" b="1" dirty="0">
-                <a:latin typeface="Arial" panose="020B0604020202020204" pitchFamily="34" charset="0"/>
-                <a:cs typeface="Arial" panose="020B0604020202020204" pitchFamily="34" charset="0"/>
-              </a:rPr>
-              <a:t>ARM-TTK</a:t>
-            </a:r>
-          </a:p>
-          <a:p>
-            <a:pPr marL="285750" indent="-285750">
-              <a:buFont typeface="Wingdings" panose="05000000000000000000" pitchFamily="2" charset="2"/>
-              <a:buChar char="q"/>
-            </a:pPr>
-            <a:r>
-              <a:rPr lang="en-GB" b="1" dirty="0">
-                <a:latin typeface="Arial" panose="020B0604020202020204" pitchFamily="34" charset="0"/>
-                <a:cs typeface="Arial" panose="020B0604020202020204" pitchFamily="34" charset="0"/>
-              </a:rPr>
-              <a:t>Test cases</a:t>
-            </a:r>
-          </a:p>
-          <a:p>
-            <a:pPr marL="285750" indent="-285750">
-              <a:buFont typeface="Wingdings" panose="05000000000000000000" pitchFamily="2" charset="2"/>
-              <a:buChar char="q"/>
-            </a:pPr>
-            <a:r>
-              <a:rPr lang="fr-FR" b="1" dirty="0">
-                <a:latin typeface="Arial" panose="020B0604020202020204" pitchFamily="34" charset="0"/>
-                <a:cs typeface="Arial" panose="020B0604020202020204" pitchFamily="34" charset="0"/>
-              </a:rPr>
-              <a:t>Scénarios pour l’intégration continue</a:t>
-            </a:r>
-          </a:p>
-          <a:p>
-            <a:pPr marL="285750" indent="-285750">
-              <a:buFont typeface="Wingdings" panose="05000000000000000000" pitchFamily="2" charset="2"/>
-              <a:buChar char="q"/>
-            </a:pPr>
-            <a:endParaRPr lang="fr-FR" b="1" dirty="0">
-              <a:latin typeface="Arial" panose="020B0604020202020204" pitchFamily="34" charset="0"/>
-              <a:cs typeface="Arial" panose="020B0604020202020204" pitchFamily="34" charset="0"/>
-            </a:endParaRPr>
-          </a:p>
-          <a:p>
-            <a:pPr marL="285750" indent="-285750">
-              <a:buFont typeface="Wingdings" panose="05000000000000000000" pitchFamily="2" charset="2"/>
-              <a:buChar char="q"/>
-            </a:pPr>
-            <a:endParaRPr lang="fr-FR" b="1" dirty="0">
-              <a:latin typeface="Arial" panose="020B0604020202020204" pitchFamily="34" charset="0"/>
-              <a:cs typeface="Arial" panose="020B0604020202020204" pitchFamily="34" charset="0"/>
-            </a:endParaRPr>
-          </a:p>
-          <a:p>
-            <a:r>
-              <a:rPr lang="fr-FR" sz="2000" b="1" i="1" dirty="0"/>
-              <a:t>Live </a:t>
-            </a:r>
-            <a:r>
-              <a:rPr lang="fr-FR" sz="2000" b="1" i="1" dirty="0" err="1"/>
-              <a:t>demo</a:t>
-            </a:r>
-            <a:r>
-              <a:rPr lang="fr-FR" sz="2000" b="1" i="1" dirty="0"/>
-              <a:t> </a:t>
-            </a:r>
-            <a:r>
-              <a:rPr lang="fr-FR" sz="2000" dirty="0">
-                <a:hlinkClick r:id="rId2"/>
-              </a:rPr>
-              <a:t>https://github.com/omiossec/arm-ttk-demo</a:t>
-            </a:r>
-            <a:endParaRPr lang="fr-FR" sz="2000" b="1" i="1" dirty="0"/>
-          </a:p>
-        </p:txBody>
-      </p:sp>
-      <p:pic>
-        <p:nvPicPr>
-          <p:cNvPr id="10" name="Picture 2" descr="A close up of a sign&#10;&#10;Description automatically generated">
-            <a:extLst>
-              <a:ext uri="{FF2B5EF4-FFF2-40B4-BE49-F238E27FC236}">
-                <a16:creationId xmlns:a16="http://schemas.microsoft.com/office/drawing/2014/main" id="{AF1E3358-00FE-4595-AE87-654651822113}"/>
-              </a:ext>
-            </a:extLst>
-          </p:cNvPr>
-          <p:cNvPicPr>
-            <a:picLocks noChangeAspect="1" noChangeArrowheads="1"/>
-          </p:cNvPicPr>
-          <p:nvPr/>
-        </p:nvPicPr>
-        <p:blipFill>
-          <a:blip r:embed="rId3">
-            <a:extLst>
-              <a:ext uri="{28A0092B-C50C-407E-A947-70E740481C1C}">
-                <a14:useLocalDpi xmlns:a14="http://schemas.microsoft.com/office/drawing/2010/main" val="0"/>
-              </a:ext>
-            </a:extLst>
-          </a:blip>
-          <a:stretch>
-            <a:fillRect/>
-          </a:stretch>
-        </p:blipFill>
-        <p:spPr bwMode="auto">
-          <a:xfrm>
-            <a:off x="9756713" y="5731675"/>
-            <a:ext cx="1024445" cy="789805"/>
-          </a:xfrm>
-          <a:prstGeom prst="rect">
-            <a:avLst/>
-          </a:prstGeom>
-          <a:noFill/>
-          <a:extLst>
-            <a:ext uri="{909E8E84-426E-40DD-AFC4-6F175D3DCCD1}">
-              <a14:hiddenFill xmlns:a14="http://schemas.microsoft.com/office/drawing/2010/main">
-                <a:solidFill>
-                  <a:srgbClr val="FFFFFF"/>
-                </a:solidFill>
-              </a14:hiddenFill>
-            </a:ext>
-          </a:extLst>
-        </p:spPr>
-      </p:pic>
-    </p:spTree>
-    <p:extLst>
-      <p:ext uri="{BB962C8B-B14F-4D97-AF65-F5344CB8AC3E}">
-        <p14:creationId xmlns:p14="http://schemas.microsoft.com/office/powerpoint/2010/main" val="1267510236"/>
-      </p:ext>
-    </p:extLst>
-  </p:cSld>
-  <p:clrMapOvr>
-    <a:masterClrMapping/>
-  </p:clrMapOvr>
-</p:sld>
-</file>
-
-<file path=ppt/slides/slide5.xml><?xml version="1.0" encoding="utf-8"?>
+<file path=ppt/slides/slide3.xml><?xml version="1.0" encoding="utf-8"?>
 <p:sld xmlns:a="http://schemas.openxmlformats.org/drawingml/2006/main" xmlns:r="http://schemas.openxmlformats.org/officeDocument/2006/relationships" xmlns:p="http://schemas.openxmlformats.org/presentationml/2006/main">
   <p:cSld>
     <p:bg>
@@ -10352,7 +8905,713 @@
 </p:sld>
 </file>
 
-<file path=ppt/slides/slide6.xml><?xml version="1.0" encoding="utf-8"?>
+<file path=ppt/slides/slide4.xml><?xml version="1.0" encoding="utf-8"?>
+<p:sld xmlns:a="http://schemas.openxmlformats.org/drawingml/2006/main" xmlns:r="http://schemas.openxmlformats.org/officeDocument/2006/relationships" xmlns:p="http://schemas.openxmlformats.org/presentationml/2006/main">
+  <p:cSld>
+    <p:spTree>
+      <p:nvGrpSpPr>
+        <p:cNvPr id="1" name=""/>
+        <p:cNvGrpSpPr/>
+        <p:nvPr/>
+      </p:nvGrpSpPr>
+      <p:grpSpPr>
+        <a:xfrm>
+          <a:off x="0" y="0"/>
+          <a:ext cx="0" cy="0"/>
+          <a:chOff x="0" y="0"/>
+          <a:chExt cx="0" cy="0"/>
+        </a:xfrm>
+      </p:grpSpPr>
+      <p:sp>
+        <p:nvSpPr>
+          <p:cNvPr id="3" name="Content Placeholder 2"/>
+          <p:cNvSpPr>
+            <a:spLocks noGrp="1"/>
+          </p:cNvSpPr>
+          <p:nvPr>
+            <p:ph idx="1"/>
+          </p:nvPr>
+        </p:nvSpPr>
+        <p:spPr>
+          <a:xfrm>
+            <a:off x="347471" y="919876"/>
+            <a:ext cx="10433687" cy="5354989"/>
+          </a:xfrm>
+        </p:spPr>
+        <p:txBody>
+          <a:bodyPr/>
+          <a:lstStyle/>
+          <a:p>
+            <a:pPr lvl="1"/>
+            <a:endParaRPr lang="en-CA" dirty="0"/>
+          </a:p>
+          <a:p>
+            <a:pPr lvl="1"/>
+            <a:endParaRPr lang="en-CA" dirty="0"/>
+          </a:p>
+        </p:txBody>
+      </p:sp>
+      <p:sp>
+        <p:nvSpPr>
+          <p:cNvPr id="6" name="Rectangle 5">
+            <a:extLst>
+              <a:ext uri="{FF2B5EF4-FFF2-40B4-BE49-F238E27FC236}">
+                <a16:creationId xmlns:a16="http://schemas.microsoft.com/office/drawing/2014/main" id="{C2C67334-4716-4404-AACA-820908652F89}"/>
+              </a:ext>
+            </a:extLst>
+          </p:cNvPr>
+          <p:cNvSpPr/>
+          <p:nvPr/>
+        </p:nvSpPr>
+        <p:spPr>
+          <a:xfrm>
+            <a:off x="821317" y="1002007"/>
+            <a:ext cx="9959841" cy="5563056"/>
+          </a:xfrm>
+          <a:prstGeom prst="rect">
+            <a:avLst/>
+          </a:prstGeom>
+          <a:noFill/>
+          <a:ln cmpd="sng">
+            <a:solidFill>
+              <a:schemeClr val="accent2"/>
+            </a:solidFill>
+            <a:prstDash val="sysDot"/>
+          </a:ln>
+        </p:spPr>
+        <p:style>
+          <a:lnRef idx="2">
+            <a:schemeClr val="accent1">
+              <a:shade val="50000"/>
+            </a:schemeClr>
+          </a:lnRef>
+          <a:fillRef idx="1">
+            <a:schemeClr val="accent1"/>
+          </a:fillRef>
+          <a:effectRef idx="0">
+            <a:schemeClr val="accent1"/>
+          </a:effectRef>
+          <a:fontRef idx="minor">
+            <a:schemeClr val="lt1"/>
+          </a:fontRef>
+        </p:style>
+        <p:txBody>
+          <a:bodyPr rtlCol="0" anchor="ctr"/>
+          <a:lstStyle>
+            <a:defPPr>
+              <a:defRPr lang="fr-FR"/>
+            </a:defPPr>
+            <a:lvl1pPr marL="0" algn="l" defTabSz="914400" rtl="0" eaLnBrk="1" latinLnBrk="0" hangingPunct="1">
+              <a:defRPr sz="1800" kern="1200">
+                <a:solidFill>
+                  <a:schemeClr val="lt1"/>
+                </a:solidFill>
+                <a:latin typeface="+mn-lt"/>
+                <a:ea typeface="+mn-ea"/>
+                <a:cs typeface="+mn-cs"/>
+              </a:defRPr>
+            </a:lvl1pPr>
+            <a:lvl2pPr marL="457200" algn="l" defTabSz="914400" rtl="0" eaLnBrk="1" latinLnBrk="0" hangingPunct="1">
+              <a:defRPr sz="1800" kern="1200">
+                <a:solidFill>
+                  <a:schemeClr val="lt1"/>
+                </a:solidFill>
+                <a:latin typeface="+mn-lt"/>
+                <a:ea typeface="+mn-ea"/>
+                <a:cs typeface="+mn-cs"/>
+              </a:defRPr>
+            </a:lvl2pPr>
+            <a:lvl3pPr marL="914400" algn="l" defTabSz="914400" rtl="0" eaLnBrk="1" latinLnBrk="0" hangingPunct="1">
+              <a:defRPr sz="1800" kern="1200">
+                <a:solidFill>
+                  <a:schemeClr val="lt1"/>
+                </a:solidFill>
+                <a:latin typeface="+mn-lt"/>
+                <a:ea typeface="+mn-ea"/>
+                <a:cs typeface="+mn-cs"/>
+              </a:defRPr>
+            </a:lvl3pPr>
+            <a:lvl4pPr marL="1371600" algn="l" defTabSz="914400" rtl="0" eaLnBrk="1" latinLnBrk="0" hangingPunct="1">
+              <a:defRPr sz="1800" kern="1200">
+                <a:solidFill>
+                  <a:schemeClr val="lt1"/>
+                </a:solidFill>
+                <a:latin typeface="+mn-lt"/>
+                <a:ea typeface="+mn-ea"/>
+                <a:cs typeface="+mn-cs"/>
+              </a:defRPr>
+            </a:lvl4pPr>
+            <a:lvl5pPr marL="1828800" algn="l" defTabSz="914400" rtl="0" eaLnBrk="1" latinLnBrk="0" hangingPunct="1">
+              <a:defRPr sz="1800" kern="1200">
+                <a:solidFill>
+                  <a:schemeClr val="lt1"/>
+                </a:solidFill>
+                <a:latin typeface="+mn-lt"/>
+                <a:ea typeface="+mn-ea"/>
+                <a:cs typeface="+mn-cs"/>
+              </a:defRPr>
+            </a:lvl5pPr>
+            <a:lvl6pPr marL="2286000" algn="l" defTabSz="914400" rtl="0" eaLnBrk="1" latinLnBrk="0" hangingPunct="1">
+              <a:defRPr sz="1800" kern="1200">
+                <a:solidFill>
+                  <a:schemeClr val="lt1"/>
+                </a:solidFill>
+                <a:latin typeface="+mn-lt"/>
+                <a:ea typeface="+mn-ea"/>
+                <a:cs typeface="+mn-cs"/>
+              </a:defRPr>
+            </a:lvl6pPr>
+            <a:lvl7pPr marL="2743200" algn="l" defTabSz="914400" rtl="0" eaLnBrk="1" latinLnBrk="0" hangingPunct="1">
+              <a:defRPr sz="1800" kern="1200">
+                <a:solidFill>
+                  <a:schemeClr val="lt1"/>
+                </a:solidFill>
+                <a:latin typeface="+mn-lt"/>
+                <a:ea typeface="+mn-ea"/>
+                <a:cs typeface="+mn-cs"/>
+              </a:defRPr>
+            </a:lvl7pPr>
+            <a:lvl8pPr marL="3200400" algn="l" defTabSz="914400" rtl="0" eaLnBrk="1" latinLnBrk="0" hangingPunct="1">
+              <a:defRPr sz="1800" kern="1200">
+                <a:solidFill>
+                  <a:schemeClr val="lt1"/>
+                </a:solidFill>
+                <a:latin typeface="+mn-lt"/>
+                <a:ea typeface="+mn-ea"/>
+                <a:cs typeface="+mn-cs"/>
+              </a:defRPr>
+            </a:lvl8pPr>
+            <a:lvl9pPr marL="3657600" algn="l" defTabSz="914400" rtl="0" eaLnBrk="1" latinLnBrk="0" hangingPunct="1">
+              <a:defRPr sz="1800" kern="1200">
+                <a:solidFill>
+                  <a:schemeClr val="lt1"/>
+                </a:solidFill>
+                <a:latin typeface="+mn-lt"/>
+                <a:ea typeface="+mn-ea"/>
+                <a:cs typeface="+mn-cs"/>
+              </a:defRPr>
+            </a:lvl9pPr>
+          </a:lstStyle>
+          <a:p>
+            <a:pPr marL="0" marR="0" lvl="0" indent="0" algn="ctr" defTabSz="914400" rtl="0" eaLnBrk="1" fontAlgn="auto" latinLnBrk="0" hangingPunct="1">
+              <a:lnSpc>
+                <a:spcPct val="100000"/>
+              </a:lnSpc>
+              <a:spcBef>
+                <a:spcPts val="0"/>
+              </a:spcBef>
+              <a:spcAft>
+                <a:spcPts val="0"/>
+              </a:spcAft>
+              <a:buClrTx/>
+              <a:buSzTx/>
+              <a:buFontTx/>
+              <a:buNone/>
+              <a:tabLst/>
+              <a:defRPr/>
+            </a:pPr>
+            <a:endParaRPr kumimoji="0" lang="fr-FR" sz="1800" b="0" i="0" u="none" strike="noStrike" kern="1200" cap="none" spc="0" normalizeH="0" baseline="0" noProof="0">
+              <a:ln>
+                <a:noFill/>
+              </a:ln>
+              <a:solidFill>
+                <a:srgbClr val="008B6C"/>
+              </a:solidFill>
+              <a:effectLst/>
+              <a:uLnTx/>
+              <a:uFillTx/>
+              <a:latin typeface="Calibri" panose="020F0502020204030204"/>
+              <a:ea typeface="+mn-ea"/>
+              <a:cs typeface="+mn-cs"/>
+            </a:endParaRPr>
+          </a:p>
+        </p:txBody>
+      </p:sp>
+      <p:sp>
+        <p:nvSpPr>
+          <p:cNvPr id="7" name="Rectangle 6">
+            <a:extLst>
+              <a:ext uri="{FF2B5EF4-FFF2-40B4-BE49-F238E27FC236}">
+                <a16:creationId xmlns:a16="http://schemas.microsoft.com/office/drawing/2014/main" id="{9F668D4F-D726-4A2E-9D0E-4E21281A16CF}"/>
+              </a:ext>
+            </a:extLst>
+          </p:cNvPr>
+          <p:cNvSpPr/>
+          <p:nvPr/>
+        </p:nvSpPr>
+        <p:spPr>
+          <a:xfrm>
+            <a:off x="821317" y="215137"/>
+            <a:ext cx="9959841" cy="586786"/>
+          </a:xfrm>
+          <a:prstGeom prst="rect">
+            <a:avLst/>
+          </a:prstGeom>
+          <a:noFill/>
+          <a:ln cmpd="sng">
+            <a:solidFill>
+              <a:schemeClr val="accent2">
+                <a:lumMod val="75000"/>
+              </a:schemeClr>
+            </a:solidFill>
+            <a:prstDash val="sysDot"/>
+          </a:ln>
+        </p:spPr>
+        <p:style>
+          <a:lnRef idx="2">
+            <a:schemeClr val="accent1">
+              <a:shade val="50000"/>
+            </a:schemeClr>
+          </a:lnRef>
+          <a:fillRef idx="1">
+            <a:schemeClr val="accent1"/>
+          </a:fillRef>
+          <a:effectRef idx="0">
+            <a:schemeClr val="accent1"/>
+          </a:effectRef>
+          <a:fontRef idx="minor">
+            <a:schemeClr val="lt1"/>
+          </a:fontRef>
+        </p:style>
+        <p:txBody>
+          <a:bodyPr rtlCol="0" anchor="ctr"/>
+          <a:lstStyle>
+            <a:defPPr>
+              <a:defRPr lang="fr-FR"/>
+            </a:defPPr>
+            <a:lvl1pPr marL="0" algn="l" defTabSz="914400" rtl="0" eaLnBrk="1" latinLnBrk="0" hangingPunct="1">
+              <a:defRPr sz="1800" kern="1200">
+                <a:solidFill>
+                  <a:schemeClr val="lt1"/>
+                </a:solidFill>
+                <a:latin typeface="+mn-lt"/>
+                <a:ea typeface="+mn-ea"/>
+                <a:cs typeface="+mn-cs"/>
+              </a:defRPr>
+            </a:lvl1pPr>
+            <a:lvl2pPr marL="457200" algn="l" defTabSz="914400" rtl="0" eaLnBrk="1" latinLnBrk="0" hangingPunct="1">
+              <a:defRPr sz="1800" kern="1200">
+                <a:solidFill>
+                  <a:schemeClr val="lt1"/>
+                </a:solidFill>
+                <a:latin typeface="+mn-lt"/>
+                <a:ea typeface="+mn-ea"/>
+                <a:cs typeface="+mn-cs"/>
+              </a:defRPr>
+            </a:lvl2pPr>
+            <a:lvl3pPr marL="914400" algn="l" defTabSz="914400" rtl="0" eaLnBrk="1" latinLnBrk="0" hangingPunct="1">
+              <a:defRPr sz="1800" kern="1200">
+                <a:solidFill>
+                  <a:schemeClr val="lt1"/>
+                </a:solidFill>
+                <a:latin typeface="+mn-lt"/>
+                <a:ea typeface="+mn-ea"/>
+                <a:cs typeface="+mn-cs"/>
+              </a:defRPr>
+            </a:lvl3pPr>
+            <a:lvl4pPr marL="1371600" algn="l" defTabSz="914400" rtl="0" eaLnBrk="1" latinLnBrk="0" hangingPunct="1">
+              <a:defRPr sz="1800" kern="1200">
+                <a:solidFill>
+                  <a:schemeClr val="lt1"/>
+                </a:solidFill>
+                <a:latin typeface="+mn-lt"/>
+                <a:ea typeface="+mn-ea"/>
+                <a:cs typeface="+mn-cs"/>
+              </a:defRPr>
+            </a:lvl4pPr>
+            <a:lvl5pPr marL="1828800" algn="l" defTabSz="914400" rtl="0" eaLnBrk="1" latinLnBrk="0" hangingPunct="1">
+              <a:defRPr sz="1800" kern="1200">
+                <a:solidFill>
+                  <a:schemeClr val="lt1"/>
+                </a:solidFill>
+                <a:latin typeface="+mn-lt"/>
+                <a:ea typeface="+mn-ea"/>
+                <a:cs typeface="+mn-cs"/>
+              </a:defRPr>
+            </a:lvl5pPr>
+            <a:lvl6pPr marL="2286000" algn="l" defTabSz="914400" rtl="0" eaLnBrk="1" latinLnBrk="0" hangingPunct="1">
+              <a:defRPr sz="1800" kern="1200">
+                <a:solidFill>
+                  <a:schemeClr val="lt1"/>
+                </a:solidFill>
+                <a:latin typeface="+mn-lt"/>
+                <a:ea typeface="+mn-ea"/>
+                <a:cs typeface="+mn-cs"/>
+              </a:defRPr>
+            </a:lvl6pPr>
+            <a:lvl7pPr marL="2743200" algn="l" defTabSz="914400" rtl="0" eaLnBrk="1" latinLnBrk="0" hangingPunct="1">
+              <a:defRPr sz="1800" kern="1200">
+                <a:solidFill>
+                  <a:schemeClr val="lt1"/>
+                </a:solidFill>
+                <a:latin typeface="+mn-lt"/>
+                <a:ea typeface="+mn-ea"/>
+                <a:cs typeface="+mn-cs"/>
+              </a:defRPr>
+            </a:lvl7pPr>
+            <a:lvl8pPr marL="3200400" algn="l" defTabSz="914400" rtl="0" eaLnBrk="1" latinLnBrk="0" hangingPunct="1">
+              <a:defRPr sz="1800" kern="1200">
+                <a:solidFill>
+                  <a:schemeClr val="lt1"/>
+                </a:solidFill>
+                <a:latin typeface="+mn-lt"/>
+                <a:ea typeface="+mn-ea"/>
+                <a:cs typeface="+mn-cs"/>
+              </a:defRPr>
+            </a:lvl8pPr>
+            <a:lvl9pPr marL="3657600" algn="l" defTabSz="914400" rtl="0" eaLnBrk="1" latinLnBrk="0" hangingPunct="1">
+              <a:defRPr sz="1800" kern="1200">
+                <a:solidFill>
+                  <a:schemeClr val="lt1"/>
+                </a:solidFill>
+                <a:latin typeface="+mn-lt"/>
+                <a:ea typeface="+mn-ea"/>
+                <a:cs typeface="+mn-cs"/>
+              </a:defRPr>
+            </a:lvl9pPr>
+          </a:lstStyle>
+          <a:p>
+            <a:pPr marL="0" marR="0" lvl="0" indent="0" algn="ctr" defTabSz="914400" rtl="0" eaLnBrk="1" fontAlgn="auto" latinLnBrk="0" hangingPunct="1">
+              <a:lnSpc>
+                <a:spcPct val="100000"/>
+              </a:lnSpc>
+              <a:spcBef>
+                <a:spcPts val="0"/>
+              </a:spcBef>
+              <a:spcAft>
+                <a:spcPts val="0"/>
+              </a:spcAft>
+              <a:buClrTx/>
+              <a:buSzTx/>
+              <a:buFontTx/>
+              <a:buNone/>
+              <a:tabLst/>
+              <a:defRPr/>
+            </a:pPr>
+            <a:endParaRPr kumimoji="0" lang="fr-FR" sz="1800" b="0" i="0" u="none" strike="noStrike" kern="1200" cap="none" spc="0" normalizeH="0" baseline="0" noProof="0">
+              <a:ln>
+                <a:noFill/>
+              </a:ln>
+              <a:solidFill>
+                <a:srgbClr val="008B6C"/>
+              </a:solidFill>
+              <a:effectLst/>
+              <a:uLnTx/>
+              <a:uFillTx/>
+              <a:latin typeface="Calibri" panose="020F0502020204030204"/>
+              <a:ea typeface="+mn-ea"/>
+              <a:cs typeface="+mn-cs"/>
+            </a:endParaRPr>
+          </a:p>
+        </p:txBody>
+      </p:sp>
+      <p:sp>
+        <p:nvSpPr>
+          <p:cNvPr id="8" name="ZoneTexte 7">
+            <a:extLst>
+              <a:ext uri="{FF2B5EF4-FFF2-40B4-BE49-F238E27FC236}">
+                <a16:creationId xmlns:a16="http://schemas.microsoft.com/office/drawing/2014/main" id="{4A3D7463-DE59-4936-903B-9D27B4320E51}"/>
+              </a:ext>
+            </a:extLst>
+          </p:cNvPr>
+          <p:cNvSpPr txBox="1"/>
+          <p:nvPr/>
+        </p:nvSpPr>
+        <p:spPr>
+          <a:xfrm>
+            <a:off x="963679" y="292937"/>
+            <a:ext cx="9718922" cy="400110"/>
+          </a:xfrm>
+          <a:prstGeom prst="rect">
+            <a:avLst/>
+          </a:prstGeom>
+          <a:noFill/>
+        </p:spPr>
+        <p:txBody>
+          <a:bodyPr wrap="square" rtlCol="0">
+            <a:spAutoFit/>
+          </a:bodyPr>
+          <a:lstStyle/>
+          <a:p>
+            <a:pPr algn="r"/>
+            <a:r>
+              <a:rPr lang="fr-FR" sz="2000" b="1">
+                <a:solidFill>
+                  <a:schemeClr val="accent2">
+                    <a:lumMod val="75000"/>
+                  </a:schemeClr>
+                </a:solidFill>
+              </a:rPr>
+              <a:t>Agenda</a:t>
+            </a:r>
+            <a:endParaRPr lang="fr-FR" b="1" dirty="0">
+              <a:solidFill>
+                <a:schemeClr val="accent2">
+                  <a:lumMod val="75000"/>
+                </a:schemeClr>
+              </a:solidFill>
+            </a:endParaRPr>
+          </a:p>
+        </p:txBody>
+      </p:sp>
+      <p:sp>
+        <p:nvSpPr>
+          <p:cNvPr id="9" name="Rectangle 8">
+            <a:extLst>
+              <a:ext uri="{FF2B5EF4-FFF2-40B4-BE49-F238E27FC236}">
+                <a16:creationId xmlns:a16="http://schemas.microsoft.com/office/drawing/2014/main" id="{68657407-CEB6-4CF7-8C21-0FB91F6826AB}"/>
+              </a:ext>
+            </a:extLst>
+          </p:cNvPr>
+          <p:cNvSpPr/>
+          <p:nvPr/>
+        </p:nvSpPr>
+        <p:spPr>
+          <a:xfrm>
+            <a:off x="1161690" y="1126325"/>
+            <a:ext cx="8931215" cy="4942089"/>
+          </a:xfrm>
+          <a:prstGeom prst="rect">
+            <a:avLst/>
+          </a:prstGeom>
+          <a:solidFill>
+            <a:schemeClr val="bg2"/>
+          </a:solidFill>
+          <a:ln>
+            <a:solidFill>
+              <a:schemeClr val="bg2">
+                <a:lumMod val="90000"/>
+              </a:schemeClr>
+            </a:solidFill>
+          </a:ln>
+          <a:effectLst>
+            <a:outerShdw blurRad="50800" dist="38100" dir="5400000" algn="t" rotWithShape="0">
+              <a:prstClr val="black">
+                <a:alpha val="40000"/>
+              </a:prstClr>
+            </a:outerShdw>
+          </a:effectLst>
+        </p:spPr>
+        <p:style>
+          <a:lnRef idx="2">
+            <a:schemeClr val="accent1">
+              <a:shade val="50000"/>
+            </a:schemeClr>
+          </a:lnRef>
+          <a:fillRef idx="1">
+            <a:schemeClr val="accent1"/>
+          </a:fillRef>
+          <a:effectRef idx="0">
+            <a:schemeClr val="accent1"/>
+          </a:effectRef>
+          <a:fontRef idx="minor">
+            <a:schemeClr val="lt1"/>
+          </a:fontRef>
+        </p:style>
+        <p:txBody>
+          <a:bodyPr rtlCol="0" anchor="ctr"/>
+          <a:lstStyle/>
+          <a:p>
+            <a:pPr algn="ctr"/>
+            <a:endParaRPr lang="fr-FR"/>
+          </a:p>
+        </p:txBody>
+      </p:sp>
+      <p:sp>
+        <p:nvSpPr>
+          <p:cNvPr id="2" name="ZoneTexte 1">
+            <a:extLst>
+              <a:ext uri="{FF2B5EF4-FFF2-40B4-BE49-F238E27FC236}">
+                <a16:creationId xmlns:a16="http://schemas.microsoft.com/office/drawing/2014/main" id="{C31D165F-2634-423F-8B38-3E2A62555AC3}"/>
+              </a:ext>
+            </a:extLst>
+          </p:cNvPr>
+          <p:cNvSpPr txBox="1"/>
+          <p:nvPr/>
+        </p:nvSpPr>
+        <p:spPr>
+          <a:xfrm>
+            <a:off x="1554615" y="1585682"/>
+            <a:ext cx="8325505" cy="2339102"/>
+          </a:xfrm>
+          <a:prstGeom prst="rect">
+            <a:avLst/>
+          </a:prstGeom>
+          <a:noFill/>
+        </p:spPr>
+        <p:txBody>
+          <a:bodyPr wrap="square" rtlCol="0">
+            <a:spAutoFit/>
+          </a:bodyPr>
+          <a:lstStyle/>
+          <a:p>
+            <a:pPr marL="285750" indent="-285750">
+              <a:buFont typeface="Wingdings" panose="05000000000000000000" pitchFamily="2" charset="2"/>
+              <a:buChar char="q"/>
+            </a:pPr>
+            <a:r>
+              <a:rPr lang="fr-FR" b="1" dirty="0">
+                <a:latin typeface="Arial" panose="020B0604020202020204" pitchFamily="34" charset="0"/>
+                <a:cs typeface="Arial" panose="020B0604020202020204" pitchFamily="34" charset="0"/>
+              </a:rPr>
+              <a:t>Les déploiements ARM</a:t>
+            </a:r>
+          </a:p>
+          <a:p>
+            <a:pPr marL="285750" indent="-285750">
+              <a:buFont typeface="Wingdings" panose="05000000000000000000" pitchFamily="2" charset="2"/>
+              <a:buChar char="q"/>
+            </a:pPr>
+            <a:r>
+              <a:rPr lang="fr-FR" b="1" dirty="0">
+                <a:latin typeface="Arial" panose="020B0604020202020204" pitchFamily="34" charset="0"/>
+                <a:cs typeface="Arial" panose="020B0604020202020204" pitchFamily="34" charset="0"/>
+              </a:rPr>
+              <a:t>Les possibilités de tests</a:t>
+            </a:r>
+          </a:p>
+          <a:p>
+            <a:pPr marL="285750" indent="-285750">
+              <a:buFont typeface="Wingdings" panose="05000000000000000000" pitchFamily="2" charset="2"/>
+              <a:buChar char="q"/>
+            </a:pPr>
+            <a:r>
+              <a:rPr lang="fr-FR" b="1" dirty="0">
+                <a:latin typeface="Arial" panose="020B0604020202020204" pitchFamily="34" charset="0"/>
+                <a:cs typeface="Arial" panose="020B0604020202020204" pitchFamily="34" charset="0"/>
+              </a:rPr>
+              <a:t>ARM-TTK</a:t>
+            </a:r>
+          </a:p>
+          <a:p>
+            <a:pPr marL="285750" indent="-285750">
+              <a:buFont typeface="Wingdings" panose="05000000000000000000" pitchFamily="2" charset="2"/>
+              <a:buChar char="q"/>
+            </a:pPr>
+            <a:r>
+              <a:rPr lang="en-GB" b="1" dirty="0">
+                <a:latin typeface="Arial" panose="020B0604020202020204" pitchFamily="34" charset="0"/>
+                <a:cs typeface="Arial" panose="020B0604020202020204" pitchFamily="34" charset="0"/>
+              </a:rPr>
+              <a:t>Test cases</a:t>
+            </a:r>
+          </a:p>
+          <a:p>
+            <a:pPr marL="285750" indent="-285750">
+              <a:buFont typeface="Wingdings" panose="05000000000000000000" pitchFamily="2" charset="2"/>
+              <a:buChar char="q"/>
+            </a:pPr>
+            <a:r>
+              <a:rPr lang="fr-FR" b="1" dirty="0">
+                <a:latin typeface="Arial" panose="020B0604020202020204" pitchFamily="34" charset="0"/>
+                <a:cs typeface="Arial" panose="020B0604020202020204" pitchFamily="34" charset="0"/>
+              </a:rPr>
+              <a:t>Scénarios pour l’intégration continue</a:t>
+            </a:r>
+          </a:p>
+          <a:p>
+            <a:pPr marL="285750" indent="-285750">
+              <a:buFont typeface="Wingdings" panose="05000000000000000000" pitchFamily="2" charset="2"/>
+              <a:buChar char="q"/>
+            </a:pPr>
+            <a:endParaRPr lang="fr-FR" b="1" dirty="0">
+              <a:latin typeface="Arial" panose="020B0604020202020204" pitchFamily="34" charset="0"/>
+              <a:cs typeface="Arial" panose="020B0604020202020204" pitchFamily="34" charset="0"/>
+            </a:endParaRPr>
+          </a:p>
+          <a:p>
+            <a:pPr marL="285750" indent="-285750">
+              <a:buFont typeface="Wingdings" panose="05000000000000000000" pitchFamily="2" charset="2"/>
+              <a:buChar char="q"/>
+            </a:pPr>
+            <a:endParaRPr lang="fr-FR" b="1" dirty="0">
+              <a:latin typeface="Arial" panose="020B0604020202020204" pitchFamily="34" charset="0"/>
+              <a:cs typeface="Arial" panose="020B0604020202020204" pitchFamily="34" charset="0"/>
+            </a:endParaRPr>
+          </a:p>
+          <a:p>
+            <a:r>
+              <a:rPr lang="fr-FR" sz="2000" b="1" i="1" dirty="0"/>
+              <a:t>Live </a:t>
+            </a:r>
+            <a:r>
+              <a:rPr lang="fr-FR" sz="2000" b="1" i="1" dirty="0" err="1"/>
+              <a:t>demo</a:t>
+            </a:r>
+            <a:r>
+              <a:rPr lang="fr-FR" sz="2000" b="1" i="1" dirty="0"/>
+              <a:t> </a:t>
+            </a:r>
+            <a:r>
+              <a:rPr lang="fr-FR" sz="2000" dirty="0">
+                <a:hlinkClick r:id="rId2"/>
+              </a:rPr>
+              <a:t>https://github.com/omiossec/arm-ttk-demo</a:t>
+            </a:r>
+            <a:endParaRPr lang="fr-FR" sz="2000" b="1" i="1" dirty="0"/>
+          </a:p>
+        </p:txBody>
+      </p:sp>
+      <p:pic>
+        <p:nvPicPr>
+          <p:cNvPr id="10" name="Picture 2" descr="A close up of a sign&#10;&#10;Description automatically generated">
+            <a:extLst>
+              <a:ext uri="{FF2B5EF4-FFF2-40B4-BE49-F238E27FC236}">
+                <a16:creationId xmlns:a16="http://schemas.microsoft.com/office/drawing/2014/main" id="{AF1E3358-00FE-4595-AE87-654651822113}"/>
+              </a:ext>
+            </a:extLst>
+          </p:cNvPr>
+          <p:cNvPicPr>
+            <a:picLocks noChangeAspect="1" noChangeArrowheads="1"/>
+          </p:cNvPicPr>
+          <p:nvPr/>
+        </p:nvPicPr>
+        <p:blipFill>
+          <a:blip r:embed="rId3">
+            <a:extLst>
+              <a:ext uri="{28A0092B-C50C-407E-A947-70E740481C1C}">
+                <a14:useLocalDpi xmlns:a14="http://schemas.microsoft.com/office/drawing/2010/main" val="0"/>
+              </a:ext>
+            </a:extLst>
+          </a:blip>
+          <a:stretch>
+            <a:fillRect/>
+          </a:stretch>
+        </p:blipFill>
+        <p:spPr bwMode="auto">
+          <a:xfrm>
+            <a:off x="9756713" y="5731675"/>
+            <a:ext cx="1024445" cy="789805"/>
+          </a:xfrm>
+          <a:prstGeom prst="rect">
+            <a:avLst/>
+          </a:prstGeom>
+          <a:noFill/>
+          <a:extLst>
+            <a:ext uri="{909E8E84-426E-40DD-AFC4-6F175D3DCCD1}">
+              <a14:hiddenFill xmlns:a14="http://schemas.microsoft.com/office/drawing/2010/main">
+                <a:solidFill>
+                  <a:srgbClr val="FFFFFF"/>
+                </a:solidFill>
+              </a14:hiddenFill>
+            </a:ext>
+          </a:extLst>
+        </p:spPr>
+      </p:pic>
+    </p:spTree>
+    <p:extLst>
+      <p:ext uri="{BB962C8B-B14F-4D97-AF65-F5344CB8AC3E}">
+        <p14:creationId xmlns:p14="http://schemas.microsoft.com/office/powerpoint/2010/main" val="1267510236"/>
+      </p:ext>
+    </p:extLst>
+  </p:cSld>
+  <p:clrMapOvr>
+    <a:masterClrMapping/>
+  </p:clrMapOvr>
+</p:sld>
+</file>
+
+<file path=ppt/slides/slide5.xml><?xml version="1.0" encoding="utf-8"?>
 <p:sld xmlns:a="http://schemas.openxmlformats.org/drawingml/2006/main" xmlns:r="http://schemas.openxmlformats.org/officeDocument/2006/relationships" xmlns:p="http://schemas.openxmlformats.org/presentationml/2006/main">
   <p:cSld>
     <p:spTree>
@@ -11223,7 +10482,7 @@
 </p:sld>
 </file>
 
-<file path=ppt/slides/slide7.xml><?xml version="1.0" encoding="utf-8"?>
+<file path=ppt/slides/slide6.xml><?xml version="1.0" encoding="utf-8"?>
 <p:sld xmlns:a="http://schemas.openxmlformats.org/drawingml/2006/main" xmlns:r="http://schemas.openxmlformats.org/officeDocument/2006/relationships" xmlns:p="http://schemas.openxmlformats.org/presentationml/2006/main">
   <p:cSld>
     <p:spTree>
@@ -12078,7 +11337,7 @@
 </p:sld>
 </file>
 
-<file path=ppt/slides/slide8.xml><?xml version="1.0" encoding="utf-8"?>
+<file path=ppt/slides/slide7.xml><?xml version="1.0" encoding="utf-8"?>
 <p:sld xmlns:a="http://schemas.openxmlformats.org/drawingml/2006/main" xmlns:r="http://schemas.openxmlformats.org/officeDocument/2006/relationships" xmlns:p="http://schemas.openxmlformats.org/presentationml/2006/main">
   <p:cSld>
     <p:spTree>
@@ -13082,7 +12341,7 @@
 </p:sld>
 </file>
 
-<file path=ppt/slides/slide9.xml><?xml version="1.0" encoding="utf-8"?>
+<file path=ppt/slides/slide8.xml><?xml version="1.0" encoding="utf-8"?>
 <p:sld xmlns:a="http://schemas.openxmlformats.org/drawingml/2006/main" xmlns:r="http://schemas.openxmlformats.org/officeDocument/2006/relationships" xmlns:p="http://schemas.openxmlformats.org/presentationml/2006/main">
   <p:cSld>
     <p:spTree>
@@ -14012,6 +13271,874 @@
     <p:extLst>
       <p:ext uri="{BB962C8B-B14F-4D97-AF65-F5344CB8AC3E}">
         <p14:creationId xmlns:p14="http://schemas.microsoft.com/office/powerpoint/2010/main" val="4139775270"/>
+      </p:ext>
+    </p:extLst>
+  </p:cSld>
+  <p:clrMapOvr>
+    <a:masterClrMapping/>
+  </p:clrMapOvr>
+</p:sld>
+</file>
+
+<file path=ppt/slides/slide9.xml><?xml version="1.0" encoding="utf-8"?>
+<p:sld xmlns:a="http://schemas.openxmlformats.org/drawingml/2006/main" xmlns:r="http://schemas.openxmlformats.org/officeDocument/2006/relationships" xmlns:p="http://schemas.openxmlformats.org/presentationml/2006/main">
+  <p:cSld>
+    <p:spTree>
+      <p:nvGrpSpPr>
+        <p:cNvPr id="1" name=""/>
+        <p:cNvGrpSpPr/>
+        <p:nvPr/>
+      </p:nvGrpSpPr>
+      <p:grpSpPr>
+        <a:xfrm>
+          <a:off x="0" y="0"/>
+          <a:ext cx="0" cy="0"/>
+          <a:chOff x="0" y="0"/>
+          <a:chExt cx="0" cy="0"/>
+        </a:xfrm>
+      </p:grpSpPr>
+      <p:sp>
+        <p:nvSpPr>
+          <p:cNvPr id="3" name="Content Placeholder 2"/>
+          <p:cNvSpPr>
+            <a:spLocks noGrp="1"/>
+          </p:cNvSpPr>
+          <p:nvPr>
+            <p:ph idx="1"/>
+          </p:nvPr>
+        </p:nvSpPr>
+        <p:spPr>
+          <a:xfrm>
+            <a:off x="347471" y="919876"/>
+            <a:ext cx="10433687" cy="5354989"/>
+          </a:xfrm>
+        </p:spPr>
+        <p:txBody>
+          <a:bodyPr/>
+          <a:lstStyle/>
+          <a:p>
+            <a:pPr lvl="1"/>
+            <a:endParaRPr lang="en-CA" dirty="0"/>
+          </a:p>
+          <a:p>
+            <a:pPr lvl="1"/>
+            <a:endParaRPr lang="en-CA" dirty="0"/>
+          </a:p>
+        </p:txBody>
+      </p:sp>
+      <p:sp>
+        <p:nvSpPr>
+          <p:cNvPr id="6" name="Rectangle 5">
+            <a:extLst>
+              <a:ext uri="{FF2B5EF4-FFF2-40B4-BE49-F238E27FC236}">
+                <a16:creationId xmlns:a16="http://schemas.microsoft.com/office/drawing/2014/main" id="{C2C67334-4716-4404-AACA-820908652F89}"/>
+              </a:ext>
+            </a:extLst>
+          </p:cNvPr>
+          <p:cNvSpPr/>
+          <p:nvPr/>
+        </p:nvSpPr>
+        <p:spPr>
+          <a:xfrm>
+            <a:off x="821316" y="1002007"/>
+            <a:ext cx="9959841" cy="5563056"/>
+          </a:xfrm>
+          <a:prstGeom prst="rect">
+            <a:avLst/>
+          </a:prstGeom>
+          <a:noFill/>
+          <a:ln cmpd="sng">
+            <a:solidFill>
+              <a:schemeClr val="accent2"/>
+            </a:solidFill>
+            <a:prstDash val="sysDot"/>
+          </a:ln>
+        </p:spPr>
+        <p:style>
+          <a:lnRef idx="2">
+            <a:schemeClr val="accent1">
+              <a:shade val="50000"/>
+            </a:schemeClr>
+          </a:lnRef>
+          <a:fillRef idx="1">
+            <a:schemeClr val="accent1"/>
+          </a:fillRef>
+          <a:effectRef idx="0">
+            <a:schemeClr val="accent1"/>
+          </a:effectRef>
+          <a:fontRef idx="minor">
+            <a:schemeClr val="lt1"/>
+          </a:fontRef>
+        </p:style>
+        <p:txBody>
+          <a:bodyPr rtlCol="0" anchor="ctr"/>
+          <a:lstStyle>
+            <a:defPPr>
+              <a:defRPr lang="fr-FR"/>
+            </a:defPPr>
+            <a:lvl1pPr marL="0" algn="l" defTabSz="914400" rtl="0" eaLnBrk="1" latinLnBrk="0" hangingPunct="1">
+              <a:defRPr sz="1800" kern="1200">
+                <a:solidFill>
+                  <a:schemeClr val="lt1"/>
+                </a:solidFill>
+                <a:latin typeface="+mn-lt"/>
+                <a:ea typeface="+mn-ea"/>
+                <a:cs typeface="+mn-cs"/>
+              </a:defRPr>
+            </a:lvl1pPr>
+            <a:lvl2pPr marL="457200" algn="l" defTabSz="914400" rtl="0" eaLnBrk="1" latinLnBrk="0" hangingPunct="1">
+              <a:defRPr sz="1800" kern="1200">
+                <a:solidFill>
+                  <a:schemeClr val="lt1"/>
+                </a:solidFill>
+                <a:latin typeface="+mn-lt"/>
+                <a:ea typeface="+mn-ea"/>
+                <a:cs typeface="+mn-cs"/>
+              </a:defRPr>
+            </a:lvl2pPr>
+            <a:lvl3pPr marL="914400" algn="l" defTabSz="914400" rtl="0" eaLnBrk="1" latinLnBrk="0" hangingPunct="1">
+              <a:defRPr sz="1800" kern="1200">
+                <a:solidFill>
+                  <a:schemeClr val="lt1"/>
+                </a:solidFill>
+                <a:latin typeface="+mn-lt"/>
+                <a:ea typeface="+mn-ea"/>
+                <a:cs typeface="+mn-cs"/>
+              </a:defRPr>
+            </a:lvl3pPr>
+            <a:lvl4pPr marL="1371600" algn="l" defTabSz="914400" rtl="0" eaLnBrk="1" latinLnBrk="0" hangingPunct="1">
+              <a:defRPr sz="1800" kern="1200">
+                <a:solidFill>
+                  <a:schemeClr val="lt1"/>
+                </a:solidFill>
+                <a:latin typeface="+mn-lt"/>
+                <a:ea typeface="+mn-ea"/>
+                <a:cs typeface="+mn-cs"/>
+              </a:defRPr>
+            </a:lvl4pPr>
+            <a:lvl5pPr marL="1828800" algn="l" defTabSz="914400" rtl="0" eaLnBrk="1" latinLnBrk="0" hangingPunct="1">
+              <a:defRPr sz="1800" kern="1200">
+                <a:solidFill>
+                  <a:schemeClr val="lt1"/>
+                </a:solidFill>
+                <a:latin typeface="+mn-lt"/>
+                <a:ea typeface="+mn-ea"/>
+                <a:cs typeface="+mn-cs"/>
+              </a:defRPr>
+            </a:lvl5pPr>
+            <a:lvl6pPr marL="2286000" algn="l" defTabSz="914400" rtl="0" eaLnBrk="1" latinLnBrk="0" hangingPunct="1">
+              <a:defRPr sz="1800" kern="1200">
+                <a:solidFill>
+                  <a:schemeClr val="lt1"/>
+                </a:solidFill>
+                <a:latin typeface="+mn-lt"/>
+                <a:ea typeface="+mn-ea"/>
+                <a:cs typeface="+mn-cs"/>
+              </a:defRPr>
+            </a:lvl6pPr>
+            <a:lvl7pPr marL="2743200" algn="l" defTabSz="914400" rtl="0" eaLnBrk="1" latinLnBrk="0" hangingPunct="1">
+              <a:defRPr sz="1800" kern="1200">
+                <a:solidFill>
+                  <a:schemeClr val="lt1"/>
+                </a:solidFill>
+                <a:latin typeface="+mn-lt"/>
+                <a:ea typeface="+mn-ea"/>
+                <a:cs typeface="+mn-cs"/>
+              </a:defRPr>
+            </a:lvl7pPr>
+            <a:lvl8pPr marL="3200400" algn="l" defTabSz="914400" rtl="0" eaLnBrk="1" latinLnBrk="0" hangingPunct="1">
+              <a:defRPr sz="1800" kern="1200">
+                <a:solidFill>
+                  <a:schemeClr val="lt1"/>
+                </a:solidFill>
+                <a:latin typeface="+mn-lt"/>
+                <a:ea typeface="+mn-ea"/>
+                <a:cs typeface="+mn-cs"/>
+              </a:defRPr>
+            </a:lvl8pPr>
+            <a:lvl9pPr marL="3657600" algn="l" defTabSz="914400" rtl="0" eaLnBrk="1" latinLnBrk="0" hangingPunct="1">
+              <a:defRPr sz="1800" kern="1200">
+                <a:solidFill>
+                  <a:schemeClr val="lt1"/>
+                </a:solidFill>
+                <a:latin typeface="+mn-lt"/>
+                <a:ea typeface="+mn-ea"/>
+                <a:cs typeface="+mn-cs"/>
+              </a:defRPr>
+            </a:lvl9pPr>
+          </a:lstStyle>
+          <a:p>
+            <a:pPr marL="0" marR="0" lvl="0" indent="0" algn="ctr" defTabSz="914400" rtl="0" eaLnBrk="1" fontAlgn="auto" latinLnBrk="0" hangingPunct="1">
+              <a:lnSpc>
+                <a:spcPct val="100000"/>
+              </a:lnSpc>
+              <a:spcBef>
+                <a:spcPts val="0"/>
+              </a:spcBef>
+              <a:spcAft>
+                <a:spcPts val="0"/>
+              </a:spcAft>
+              <a:buClrTx/>
+              <a:buSzTx/>
+              <a:buFontTx/>
+              <a:buNone/>
+              <a:tabLst/>
+              <a:defRPr/>
+            </a:pPr>
+            <a:endParaRPr kumimoji="0" lang="fr-FR" sz="1800" b="0" i="0" u="none" strike="noStrike" kern="1200" cap="none" spc="0" normalizeH="0" baseline="0" noProof="0">
+              <a:ln>
+                <a:noFill/>
+              </a:ln>
+              <a:solidFill>
+                <a:srgbClr val="008B6C"/>
+              </a:solidFill>
+              <a:effectLst/>
+              <a:uLnTx/>
+              <a:uFillTx/>
+              <a:latin typeface="Calibri" panose="020F0502020204030204"/>
+              <a:ea typeface="+mn-ea"/>
+              <a:cs typeface="+mn-cs"/>
+            </a:endParaRPr>
+          </a:p>
+        </p:txBody>
+      </p:sp>
+      <p:sp>
+        <p:nvSpPr>
+          <p:cNvPr id="7" name="Rectangle 6">
+            <a:extLst>
+              <a:ext uri="{FF2B5EF4-FFF2-40B4-BE49-F238E27FC236}">
+                <a16:creationId xmlns:a16="http://schemas.microsoft.com/office/drawing/2014/main" id="{9F668D4F-D726-4A2E-9D0E-4E21281A16CF}"/>
+              </a:ext>
+            </a:extLst>
+          </p:cNvPr>
+          <p:cNvSpPr/>
+          <p:nvPr/>
+        </p:nvSpPr>
+        <p:spPr>
+          <a:xfrm>
+            <a:off x="821317" y="215137"/>
+            <a:ext cx="9959841" cy="586786"/>
+          </a:xfrm>
+          <a:prstGeom prst="rect">
+            <a:avLst/>
+          </a:prstGeom>
+          <a:noFill/>
+          <a:ln cmpd="sng">
+            <a:solidFill>
+              <a:schemeClr val="accent2">
+                <a:lumMod val="75000"/>
+              </a:schemeClr>
+            </a:solidFill>
+            <a:prstDash val="sysDot"/>
+          </a:ln>
+        </p:spPr>
+        <p:style>
+          <a:lnRef idx="2">
+            <a:schemeClr val="accent1">
+              <a:shade val="50000"/>
+            </a:schemeClr>
+          </a:lnRef>
+          <a:fillRef idx="1">
+            <a:schemeClr val="accent1"/>
+          </a:fillRef>
+          <a:effectRef idx="0">
+            <a:schemeClr val="accent1"/>
+          </a:effectRef>
+          <a:fontRef idx="minor">
+            <a:schemeClr val="lt1"/>
+          </a:fontRef>
+        </p:style>
+        <p:txBody>
+          <a:bodyPr rtlCol="0" anchor="ctr"/>
+          <a:lstStyle>
+            <a:defPPr>
+              <a:defRPr lang="fr-FR"/>
+            </a:defPPr>
+            <a:lvl1pPr marL="0" algn="l" defTabSz="914400" rtl="0" eaLnBrk="1" latinLnBrk="0" hangingPunct="1">
+              <a:defRPr sz="1800" kern="1200">
+                <a:solidFill>
+                  <a:schemeClr val="lt1"/>
+                </a:solidFill>
+                <a:latin typeface="+mn-lt"/>
+                <a:ea typeface="+mn-ea"/>
+                <a:cs typeface="+mn-cs"/>
+              </a:defRPr>
+            </a:lvl1pPr>
+            <a:lvl2pPr marL="457200" algn="l" defTabSz="914400" rtl="0" eaLnBrk="1" latinLnBrk="0" hangingPunct="1">
+              <a:defRPr sz="1800" kern="1200">
+                <a:solidFill>
+                  <a:schemeClr val="lt1"/>
+                </a:solidFill>
+                <a:latin typeface="+mn-lt"/>
+                <a:ea typeface="+mn-ea"/>
+                <a:cs typeface="+mn-cs"/>
+              </a:defRPr>
+            </a:lvl2pPr>
+            <a:lvl3pPr marL="914400" algn="l" defTabSz="914400" rtl="0" eaLnBrk="1" latinLnBrk="0" hangingPunct="1">
+              <a:defRPr sz="1800" kern="1200">
+                <a:solidFill>
+                  <a:schemeClr val="lt1"/>
+                </a:solidFill>
+                <a:latin typeface="+mn-lt"/>
+                <a:ea typeface="+mn-ea"/>
+                <a:cs typeface="+mn-cs"/>
+              </a:defRPr>
+            </a:lvl3pPr>
+            <a:lvl4pPr marL="1371600" algn="l" defTabSz="914400" rtl="0" eaLnBrk="1" latinLnBrk="0" hangingPunct="1">
+              <a:defRPr sz="1800" kern="1200">
+                <a:solidFill>
+                  <a:schemeClr val="lt1"/>
+                </a:solidFill>
+                <a:latin typeface="+mn-lt"/>
+                <a:ea typeface="+mn-ea"/>
+                <a:cs typeface="+mn-cs"/>
+              </a:defRPr>
+            </a:lvl4pPr>
+            <a:lvl5pPr marL="1828800" algn="l" defTabSz="914400" rtl="0" eaLnBrk="1" latinLnBrk="0" hangingPunct="1">
+              <a:defRPr sz="1800" kern="1200">
+                <a:solidFill>
+                  <a:schemeClr val="lt1"/>
+                </a:solidFill>
+                <a:latin typeface="+mn-lt"/>
+                <a:ea typeface="+mn-ea"/>
+                <a:cs typeface="+mn-cs"/>
+              </a:defRPr>
+            </a:lvl5pPr>
+            <a:lvl6pPr marL="2286000" algn="l" defTabSz="914400" rtl="0" eaLnBrk="1" latinLnBrk="0" hangingPunct="1">
+              <a:defRPr sz="1800" kern="1200">
+                <a:solidFill>
+                  <a:schemeClr val="lt1"/>
+                </a:solidFill>
+                <a:latin typeface="+mn-lt"/>
+                <a:ea typeface="+mn-ea"/>
+                <a:cs typeface="+mn-cs"/>
+              </a:defRPr>
+            </a:lvl6pPr>
+            <a:lvl7pPr marL="2743200" algn="l" defTabSz="914400" rtl="0" eaLnBrk="1" latinLnBrk="0" hangingPunct="1">
+              <a:defRPr sz="1800" kern="1200">
+                <a:solidFill>
+                  <a:schemeClr val="lt1"/>
+                </a:solidFill>
+                <a:latin typeface="+mn-lt"/>
+                <a:ea typeface="+mn-ea"/>
+                <a:cs typeface="+mn-cs"/>
+              </a:defRPr>
+            </a:lvl7pPr>
+            <a:lvl8pPr marL="3200400" algn="l" defTabSz="914400" rtl="0" eaLnBrk="1" latinLnBrk="0" hangingPunct="1">
+              <a:defRPr sz="1800" kern="1200">
+                <a:solidFill>
+                  <a:schemeClr val="lt1"/>
+                </a:solidFill>
+                <a:latin typeface="+mn-lt"/>
+                <a:ea typeface="+mn-ea"/>
+                <a:cs typeface="+mn-cs"/>
+              </a:defRPr>
+            </a:lvl8pPr>
+            <a:lvl9pPr marL="3657600" algn="l" defTabSz="914400" rtl="0" eaLnBrk="1" latinLnBrk="0" hangingPunct="1">
+              <a:defRPr sz="1800" kern="1200">
+                <a:solidFill>
+                  <a:schemeClr val="lt1"/>
+                </a:solidFill>
+                <a:latin typeface="+mn-lt"/>
+                <a:ea typeface="+mn-ea"/>
+                <a:cs typeface="+mn-cs"/>
+              </a:defRPr>
+            </a:lvl9pPr>
+          </a:lstStyle>
+          <a:p>
+            <a:pPr marL="0" marR="0" lvl="0" indent="0" algn="ctr" defTabSz="914400" rtl="0" eaLnBrk="1" fontAlgn="auto" latinLnBrk="0" hangingPunct="1">
+              <a:lnSpc>
+                <a:spcPct val="100000"/>
+              </a:lnSpc>
+              <a:spcBef>
+                <a:spcPts val="0"/>
+              </a:spcBef>
+              <a:spcAft>
+                <a:spcPts val="0"/>
+              </a:spcAft>
+              <a:buClrTx/>
+              <a:buSzTx/>
+              <a:buFontTx/>
+              <a:buNone/>
+              <a:tabLst/>
+              <a:defRPr/>
+            </a:pPr>
+            <a:endParaRPr kumimoji="0" lang="fr-FR" sz="1800" b="0" i="0" u="none" strike="noStrike" kern="1200" cap="none" spc="0" normalizeH="0" baseline="0" noProof="0">
+              <a:ln>
+                <a:noFill/>
+              </a:ln>
+              <a:solidFill>
+                <a:srgbClr val="008B6C"/>
+              </a:solidFill>
+              <a:effectLst/>
+              <a:uLnTx/>
+              <a:uFillTx/>
+              <a:latin typeface="Calibri" panose="020F0502020204030204"/>
+              <a:ea typeface="+mn-ea"/>
+              <a:cs typeface="+mn-cs"/>
+            </a:endParaRPr>
+          </a:p>
+        </p:txBody>
+      </p:sp>
+      <p:sp>
+        <p:nvSpPr>
+          <p:cNvPr id="8" name="ZoneTexte 7">
+            <a:extLst>
+              <a:ext uri="{FF2B5EF4-FFF2-40B4-BE49-F238E27FC236}">
+                <a16:creationId xmlns:a16="http://schemas.microsoft.com/office/drawing/2014/main" id="{4A3D7463-DE59-4936-903B-9D27B4320E51}"/>
+              </a:ext>
+            </a:extLst>
+          </p:cNvPr>
+          <p:cNvSpPr txBox="1"/>
+          <p:nvPr/>
+        </p:nvSpPr>
+        <p:spPr>
+          <a:xfrm>
+            <a:off x="963679" y="292937"/>
+            <a:ext cx="9718922" cy="400110"/>
+          </a:xfrm>
+          <a:prstGeom prst="rect">
+            <a:avLst/>
+          </a:prstGeom>
+          <a:noFill/>
+        </p:spPr>
+        <p:txBody>
+          <a:bodyPr wrap="square" rtlCol="0">
+            <a:spAutoFit/>
+          </a:bodyPr>
+          <a:lstStyle/>
+          <a:p>
+            <a:pPr algn="r"/>
+            <a:r>
+              <a:rPr lang="fr-FR" sz="2000" b="1" dirty="0">
+                <a:solidFill>
+                  <a:schemeClr val="accent2">
+                    <a:lumMod val="75000"/>
+                  </a:schemeClr>
+                </a:solidFill>
+              </a:rPr>
+              <a:t>Utilisation du module</a:t>
+            </a:r>
+          </a:p>
+        </p:txBody>
+      </p:sp>
+      <p:sp>
+        <p:nvSpPr>
+          <p:cNvPr id="26" name="Rectangle 25">
+            <a:extLst>
+              <a:ext uri="{FF2B5EF4-FFF2-40B4-BE49-F238E27FC236}">
+                <a16:creationId xmlns:a16="http://schemas.microsoft.com/office/drawing/2014/main" id="{628EC668-0ECE-448F-A142-D0EE9F1A1BF5}"/>
+              </a:ext>
+            </a:extLst>
+          </p:cNvPr>
+          <p:cNvSpPr/>
+          <p:nvPr/>
+        </p:nvSpPr>
+        <p:spPr>
+          <a:xfrm>
+            <a:off x="1109931" y="1332776"/>
+            <a:ext cx="9397043" cy="4942089"/>
+          </a:xfrm>
+          <a:prstGeom prst="rect">
+            <a:avLst/>
+          </a:prstGeom>
+          <a:solidFill>
+            <a:schemeClr val="bg2"/>
+          </a:solidFill>
+          <a:ln>
+            <a:solidFill>
+              <a:schemeClr val="bg2">
+                <a:lumMod val="90000"/>
+              </a:schemeClr>
+            </a:solidFill>
+          </a:ln>
+          <a:effectLst>
+            <a:outerShdw blurRad="50800" dist="38100" dir="5400000" algn="t" rotWithShape="0">
+              <a:prstClr val="black">
+                <a:alpha val="40000"/>
+              </a:prstClr>
+            </a:outerShdw>
+          </a:effectLst>
+        </p:spPr>
+        <p:style>
+          <a:lnRef idx="2">
+            <a:schemeClr val="accent1">
+              <a:shade val="50000"/>
+            </a:schemeClr>
+          </a:lnRef>
+          <a:fillRef idx="1">
+            <a:schemeClr val="accent1"/>
+          </a:fillRef>
+          <a:effectRef idx="0">
+            <a:schemeClr val="accent1"/>
+          </a:effectRef>
+          <a:fontRef idx="minor">
+            <a:schemeClr val="lt1"/>
+          </a:fontRef>
+        </p:style>
+        <p:txBody>
+          <a:bodyPr rtlCol="0" anchor="ctr"/>
+          <a:lstStyle/>
+          <a:p>
+            <a:pPr algn="ctr"/>
+            <a:endParaRPr lang="fr-FR"/>
+          </a:p>
+        </p:txBody>
+      </p:sp>
+      <p:sp>
+        <p:nvSpPr>
+          <p:cNvPr id="2" name="ZoneTexte 1">
+            <a:extLst>
+              <a:ext uri="{FF2B5EF4-FFF2-40B4-BE49-F238E27FC236}">
+                <a16:creationId xmlns:a16="http://schemas.microsoft.com/office/drawing/2014/main" id="{7E1EDCA3-ED61-4B1B-8E44-2882D5770563}"/>
+              </a:ext>
+            </a:extLst>
+          </p:cNvPr>
+          <p:cNvSpPr txBox="1"/>
+          <p:nvPr/>
+        </p:nvSpPr>
+        <p:spPr>
+          <a:xfrm>
+            <a:off x="1410842" y="1467270"/>
+            <a:ext cx="9011728" cy="4308872"/>
+          </a:xfrm>
+          <a:prstGeom prst="rect">
+            <a:avLst/>
+          </a:prstGeom>
+          <a:noFill/>
+        </p:spPr>
+        <p:txBody>
+          <a:bodyPr wrap="square" rtlCol="0">
+            <a:spAutoFit/>
+          </a:bodyPr>
+          <a:lstStyle/>
+          <a:p>
+            <a:pPr marL="285750" indent="-285750">
+              <a:buFont typeface="Wingdings" panose="05000000000000000000" pitchFamily="2" charset="2"/>
+              <a:buChar char="q"/>
+            </a:pPr>
+            <a:r>
+              <a:rPr lang="fr-FR" sz="1600" dirty="0">
+                <a:latin typeface="Arial" panose="020B0604020202020204" pitchFamily="34" charset="0"/>
+                <a:cs typeface="Arial" panose="020B0604020202020204" pitchFamily="34" charset="0"/>
+              </a:rPr>
+              <a:t>Il est possible de limiter les tests en utilisant –Test </a:t>
+            </a:r>
+          </a:p>
+          <a:p>
+            <a:pPr marL="285750" indent="-285750">
+              <a:buFont typeface="Wingdings" panose="05000000000000000000" pitchFamily="2" charset="2"/>
+              <a:buChar char="q"/>
+            </a:pPr>
+            <a:endParaRPr lang="fr-FR" sz="1600" dirty="0">
+              <a:latin typeface="Arial" panose="020B0604020202020204" pitchFamily="34" charset="0"/>
+              <a:cs typeface="Arial" panose="020B0604020202020204" pitchFamily="34" charset="0"/>
+            </a:endParaRPr>
+          </a:p>
+          <a:p>
+            <a:pPr marL="285750" indent="-285750">
+              <a:buFont typeface="Wingdings" panose="05000000000000000000" pitchFamily="2" charset="2"/>
+              <a:buChar char="q"/>
+            </a:pPr>
+            <a:r>
+              <a:rPr lang="fr-FR" sz="1600" dirty="0">
+                <a:latin typeface="Arial" panose="020B0604020202020204" pitchFamily="34" charset="0"/>
+                <a:cs typeface="Arial" panose="020B0604020202020204" pitchFamily="34" charset="0"/>
+              </a:rPr>
+              <a:t>Il est aussi possible de passer des paramètres avec –</a:t>
+            </a:r>
+            <a:r>
+              <a:rPr lang="fr-FR" sz="1600" dirty="0" err="1">
+                <a:latin typeface="Arial" panose="020B0604020202020204" pitchFamily="34" charset="0"/>
+                <a:cs typeface="Arial" panose="020B0604020202020204" pitchFamily="34" charset="0"/>
+              </a:rPr>
+              <a:t>TestParameter</a:t>
+            </a:r>
+            <a:r>
+              <a:rPr lang="fr-FR" sz="1600" dirty="0">
+                <a:latin typeface="Arial" panose="020B0604020202020204" pitchFamily="34" charset="0"/>
+                <a:cs typeface="Arial" panose="020B0604020202020204" pitchFamily="34" charset="0"/>
+              </a:rPr>
+              <a:t> (collection)</a:t>
+            </a:r>
+          </a:p>
+          <a:p>
+            <a:pPr marL="285750" indent="-285750">
+              <a:buFont typeface="Wingdings" panose="05000000000000000000" pitchFamily="2" charset="2"/>
+              <a:buChar char="q"/>
+            </a:pPr>
+            <a:endParaRPr lang="fr-FR" sz="1600" dirty="0">
+              <a:latin typeface="Arial" panose="020B0604020202020204" pitchFamily="34" charset="0"/>
+              <a:cs typeface="Arial" panose="020B0604020202020204" pitchFamily="34" charset="0"/>
+            </a:endParaRPr>
+          </a:p>
+          <a:p>
+            <a:pPr marL="285750" indent="-285750">
+              <a:buFont typeface="Wingdings" panose="05000000000000000000" pitchFamily="2" charset="2"/>
+              <a:buChar char="q"/>
+            </a:pPr>
+            <a:r>
+              <a:rPr lang="fr-FR" sz="1600" dirty="0">
+                <a:latin typeface="Arial" panose="020B0604020202020204" pitchFamily="34" charset="0"/>
+                <a:cs typeface="Arial" panose="020B0604020202020204" pitchFamily="34" charset="0"/>
+              </a:rPr>
+              <a:t>Il est possible d’écrire ces propres tests </a:t>
+            </a:r>
+          </a:p>
+          <a:p>
+            <a:pPr marL="285750" indent="-285750">
+              <a:buFont typeface="Wingdings" panose="05000000000000000000" pitchFamily="2" charset="2"/>
+              <a:buChar char="q"/>
+            </a:pPr>
+            <a:endParaRPr lang="fr-FR" sz="1600" dirty="0">
+              <a:latin typeface="Arial" panose="020B0604020202020204" pitchFamily="34" charset="0"/>
+              <a:cs typeface="Arial" panose="020B0604020202020204" pitchFamily="34" charset="0"/>
+            </a:endParaRPr>
+          </a:p>
+          <a:p>
+            <a:pPr marL="742950" lvl="1" indent="-285750">
+              <a:buFont typeface="Wingdings" panose="05000000000000000000" pitchFamily="2" charset="2"/>
+              <a:buChar char="q"/>
+            </a:pPr>
+            <a:r>
+              <a:rPr lang="fr-FR" sz="1600" dirty="0">
+                <a:latin typeface="Arial" panose="020B0604020202020204" pitchFamily="34" charset="0"/>
+                <a:cs typeface="Arial" panose="020B0604020202020204" pitchFamily="34" charset="0"/>
+              </a:rPr>
+              <a:t>Première étape, créer un fichier .test.ps1, le nom du fichier doit correspondre au nom du test en remplacent les espaces par un – ou un _</a:t>
+            </a:r>
+          </a:p>
+          <a:p>
+            <a:pPr marL="742950" lvl="1" indent="-285750">
+              <a:buFont typeface="Wingdings" panose="05000000000000000000" pitchFamily="2" charset="2"/>
+              <a:buChar char="q"/>
+            </a:pPr>
+            <a:endParaRPr lang="fr-FR" sz="1600" dirty="0">
+              <a:latin typeface="Arial" panose="020B0604020202020204" pitchFamily="34" charset="0"/>
+              <a:cs typeface="Arial" panose="020B0604020202020204" pitchFamily="34" charset="0"/>
+            </a:endParaRPr>
+          </a:p>
+          <a:p>
+            <a:pPr marL="742950" lvl="1" indent="-285750">
+              <a:buFont typeface="Wingdings" panose="05000000000000000000" pitchFamily="2" charset="2"/>
+              <a:buChar char="q"/>
+            </a:pPr>
+            <a:r>
+              <a:rPr lang="fr-FR" sz="1600" dirty="0">
+                <a:latin typeface="Arial" panose="020B0604020202020204" pitchFamily="34" charset="0"/>
+                <a:cs typeface="Arial" panose="020B0604020202020204" pitchFamily="34" charset="0"/>
+              </a:rPr>
+              <a:t>Seconde étape, avoir un paramètre pour récupérer l’objet à tester</a:t>
+            </a:r>
+          </a:p>
+          <a:p>
+            <a:pPr lvl="2"/>
+            <a:r>
+              <a:rPr lang="fr-FR" sz="1600" dirty="0">
+                <a:latin typeface="Arial" panose="020B0604020202020204" pitchFamily="34" charset="0"/>
+                <a:cs typeface="Arial" panose="020B0604020202020204" pitchFamily="34" charset="0"/>
+              </a:rPr>
+              <a:t>param(</a:t>
+            </a:r>
+          </a:p>
+          <a:p>
+            <a:pPr lvl="2"/>
+            <a:r>
+              <a:rPr lang="fr-FR" sz="1600" dirty="0">
+                <a:latin typeface="Arial" panose="020B0604020202020204" pitchFamily="34" charset="0"/>
+                <a:cs typeface="Arial" panose="020B0604020202020204" pitchFamily="34" charset="0"/>
+              </a:rPr>
+              <a:t>	[</a:t>
+            </a:r>
+            <a:r>
+              <a:rPr lang="fr-FR" sz="1600" dirty="0" err="1">
+                <a:latin typeface="Arial" panose="020B0604020202020204" pitchFamily="34" charset="0"/>
+                <a:cs typeface="Arial" panose="020B0604020202020204" pitchFamily="34" charset="0"/>
+              </a:rPr>
+              <a:t>PSObject</a:t>
+            </a:r>
+            <a:r>
+              <a:rPr lang="fr-FR" sz="1600" dirty="0">
+                <a:latin typeface="Arial" panose="020B0604020202020204" pitchFamily="34" charset="0"/>
+                <a:cs typeface="Arial" panose="020B0604020202020204" pitchFamily="34" charset="0"/>
+              </a:rPr>
+              <a:t>]$</a:t>
+            </a:r>
+            <a:r>
+              <a:rPr lang="fr-FR" sz="1600" dirty="0" err="1">
+                <a:latin typeface="Arial" panose="020B0604020202020204" pitchFamily="34" charset="0"/>
+                <a:cs typeface="Arial" panose="020B0604020202020204" pitchFamily="34" charset="0"/>
+              </a:rPr>
+              <a:t>TemplateObject</a:t>
+            </a:r>
+            <a:endParaRPr lang="fr-FR" sz="1600" dirty="0">
+              <a:latin typeface="Arial" panose="020B0604020202020204" pitchFamily="34" charset="0"/>
+              <a:cs typeface="Arial" panose="020B0604020202020204" pitchFamily="34" charset="0"/>
+            </a:endParaRPr>
+          </a:p>
+          <a:p>
+            <a:pPr lvl="2"/>
+            <a:r>
+              <a:rPr lang="fr-FR" sz="1600" dirty="0">
+                <a:latin typeface="Arial" panose="020B0604020202020204" pitchFamily="34" charset="0"/>
+                <a:cs typeface="Arial" panose="020B0604020202020204" pitchFamily="34" charset="0"/>
+              </a:rPr>
+              <a:t>)</a:t>
+            </a:r>
+          </a:p>
+          <a:p>
+            <a:pPr lvl="2"/>
+            <a:endParaRPr lang="fr-FR" sz="1600" dirty="0">
+              <a:latin typeface="Arial" panose="020B0604020202020204" pitchFamily="34" charset="0"/>
+              <a:cs typeface="Arial" panose="020B0604020202020204" pitchFamily="34" charset="0"/>
+            </a:endParaRPr>
+          </a:p>
+          <a:p>
+            <a:endParaRPr lang="fr-FR" sz="1800" dirty="0">
+              <a:effectLst/>
+              <a:latin typeface="Calibri" panose="020F0502020204030204" pitchFamily="34" charset="0"/>
+              <a:ea typeface="Calibri" panose="020F0502020204030204" pitchFamily="34" charset="0"/>
+              <a:cs typeface="Times New Roman" panose="02020603050405020304" pitchFamily="18" charset="0"/>
+            </a:endParaRPr>
+          </a:p>
+          <a:p>
+            <a:pPr marL="285750" indent="-285750">
+              <a:buFont typeface="Wingdings" panose="05000000000000000000" pitchFamily="2" charset="2"/>
+              <a:buChar char="q"/>
+            </a:pPr>
+            <a:endParaRPr lang="fr-FR" sz="1600" dirty="0">
+              <a:latin typeface="Arial" panose="020B0604020202020204" pitchFamily="34" charset="0"/>
+              <a:cs typeface="Arial" panose="020B0604020202020204" pitchFamily="34" charset="0"/>
+            </a:endParaRPr>
+          </a:p>
+          <a:p>
+            <a:pPr lvl="1"/>
+            <a:endParaRPr lang="en-GB" sz="1600" b="1" u="sng" dirty="0">
+              <a:latin typeface="Arial" panose="020B0604020202020204" pitchFamily="34" charset="0"/>
+              <a:cs typeface="Arial" panose="020B0604020202020204" pitchFamily="34" charset="0"/>
+            </a:endParaRPr>
+          </a:p>
+        </p:txBody>
+      </p:sp>
+      <p:sp>
+        <p:nvSpPr>
+          <p:cNvPr id="5" name="Rectangle 1">
+            <a:extLst>
+              <a:ext uri="{FF2B5EF4-FFF2-40B4-BE49-F238E27FC236}">
+                <a16:creationId xmlns:a16="http://schemas.microsoft.com/office/drawing/2014/main" id="{F75E65BF-5DBB-4D2D-966A-9B2210218C54}"/>
+              </a:ext>
+            </a:extLst>
+          </p:cNvPr>
+          <p:cNvSpPr>
+            <a:spLocks noChangeArrowheads="1"/>
+          </p:cNvSpPr>
+          <p:nvPr/>
+        </p:nvSpPr>
+        <p:spPr bwMode="auto">
+          <a:xfrm>
+            <a:off x="2894871" y="4540939"/>
+            <a:ext cx="12192000" cy="457200"/>
+          </a:xfrm>
+          <a:prstGeom prst="rect">
+            <a:avLst/>
+          </a:prstGeom>
+          <a:noFill/>
+          <a:ln>
+            <a:noFill/>
+          </a:ln>
+          <a:effectLst/>
+          <a:extLst>
+            <a:ext uri="{909E8E84-426E-40DD-AFC4-6F175D3DCCD1}">
+              <a14:hiddenFill xmlns:a14="http://schemas.microsoft.com/office/drawing/2010/main">
+                <a:solidFill>
+                  <a:schemeClr val="accent1"/>
+                </a:solidFill>
+              </a14:hiddenFill>
+            </a:ext>
+            <a:ext uri="{91240B29-F687-4F45-9708-019B960494DF}">
+              <a14:hiddenLine xmlns:a14="http://schemas.microsoft.com/office/drawing/2010/main" w="9525">
+                <a:solidFill>
+                  <a:schemeClr val="tx1"/>
+                </a:solidFill>
+                <a:miter lim="800000"/>
+                <a:headEnd/>
+                <a:tailEnd/>
+              </a14:hiddenLine>
+            </a:ext>
+            <a:ext uri="{AF507438-7753-43E0-B8FC-AC1667EBCBE1}">
+              <a14:hiddenEffects xmlns:a14="http://schemas.microsoft.com/office/drawing/2010/main">
+                <a:effectLst>
+                  <a:outerShdw dist="35921" dir="2700000" algn="ctr" rotWithShape="0">
+                    <a:schemeClr val="bg2"/>
+                  </a:outerShdw>
+                </a:effectLst>
+              </a14:hiddenEffects>
+            </a:ext>
+          </a:extLst>
+        </p:spPr>
+        <p:txBody>
+          <a:bodyPr vert="horz" wrap="none" lIns="91440" tIns="45720" rIns="91440" bIns="45720" numCol="1" anchor="ctr" anchorCtr="0" compatLnSpc="1">
+            <a:prstTxWarp prst="textNoShape">
+              <a:avLst/>
+            </a:prstTxWarp>
+            <a:spAutoFit/>
+          </a:bodyPr>
+          <a:lstStyle/>
+          <a:p>
+            <a:endParaRPr lang="fr-FR"/>
+          </a:p>
+        </p:txBody>
+      </p:sp>
+      <p:pic>
+        <p:nvPicPr>
+          <p:cNvPr id="9" name="Picture 2" descr="A close up of a sign&#10;&#10;Description automatically generated">
+            <a:extLst>
+              <a:ext uri="{FF2B5EF4-FFF2-40B4-BE49-F238E27FC236}">
+                <a16:creationId xmlns:a16="http://schemas.microsoft.com/office/drawing/2014/main" id="{0C141C78-316D-4589-8431-412F69E48FEF}"/>
+              </a:ext>
+            </a:extLst>
+          </p:cNvPr>
+          <p:cNvPicPr>
+            <a:picLocks noChangeAspect="1" noChangeArrowheads="1"/>
+          </p:cNvPicPr>
+          <p:nvPr/>
+        </p:nvPicPr>
+        <p:blipFill>
+          <a:blip r:embed="rId3">
+            <a:extLst>
+              <a:ext uri="{28A0092B-C50C-407E-A947-70E740481C1C}">
+                <a14:useLocalDpi xmlns:a14="http://schemas.microsoft.com/office/drawing/2010/main" val="0"/>
+              </a:ext>
+            </a:extLst>
+          </a:blip>
+          <a:stretch>
+            <a:fillRect/>
+          </a:stretch>
+        </p:blipFill>
+        <p:spPr bwMode="auto">
+          <a:xfrm>
+            <a:off x="9482529" y="5386698"/>
+            <a:ext cx="1024445" cy="789805"/>
+          </a:xfrm>
+          <a:prstGeom prst="rect">
+            <a:avLst/>
+          </a:prstGeom>
+          <a:noFill/>
+          <a:extLst>
+            <a:ext uri="{909E8E84-426E-40DD-AFC4-6F175D3DCCD1}">
+              <a14:hiddenFill xmlns:a14="http://schemas.microsoft.com/office/drawing/2010/main">
+                <a:solidFill>
+                  <a:srgbClr val="FFFFFF"/>
+                </a:solidFill>
+              </a14:hiddenFill>
+            </a:ext>
+          </a:extLst>
+        </p:spPr>
+      </p:pic>
+    </p:spTree>
+    <p:extLst>
+      <p:ext uri="{BB962C8B-B14F-4D97-AF65-F5344CB8AC3E}">
+        <p14:creationId xmlns:p14="http://schemas.microsoft.com/office/powerpoint/2010/main" val="3189611156"/>
       </p:ext>
     </p:extLst>
   </p:cSld>
